--- a/Presentation/DEFECT TRACKING SYSTEM.pptx
+++ b/Presentation/DEFECT TRACKING SYSTEM.pptx
@@ -18,25 +18,8 @@
     <p:sldId id="267" r:id="rId12"/>
     <p:sldId id="268" r:id="rId13"/>
     <p:sldId id="269" r:id="rId14"/>
-    <p:sldId id="270" r:id="rId15"/>
-    <p:sldId id="271" r:id="rId16"/>
-    <p:sldId id="272" r:id="rId17"/>
-    <p:sldId id="273" r:id="rId18"/>
-    <p:sldId id="274" r:id="rId19"/>
-    <p:sldId id="275" r:id="rId20"/>
-    <p:sldId id="276" r:id="rId21"/>
-    <p:sldId id="277" r:id="rId22"/>
-    <p:sldId id="278" r:id="rId23"/>
-    <p:sldId id="279" r:id="rId24"/>
-    <p:sldId id="280" r:id="rId25"/>
-    <p:sldId id="282" r:id="rId26"/>
-    <p:sldId id="283" r:id="rId27"/>
-    <p:sldId id="284" r:id="rId28"/>
-    <p:sldId id="285" r:id="rId29"/>
-    <p:sldId id="286" r:id="rId30"/>
-    <p:sldId id="281" r:id="rId31"/>
-    <p:sldId id="287" r:id="rId32"/>
-    <p:sldId id="288" r:id="rId33"/>
+    <p:sldId id="281" r:id="rId15"/>
+    <p:sldId id="288" r:id="rId16"/>
   </p:sldIdLst>
   <p:sldSz cx="9144000" cy="6858000" type="screen4x3"/>
   <p:notesSz cx="6858000" cy="9144000"/>
@@ -135,6 +118,22 @@
       </a:defRPr>
     </a:lvl9pPr>
   </p:defaultTextStyle>
+  <p:extLst>
+    <p:ext uri="{EFAFB233-063F-42B5-8137-9DF3F51BA10A}">
+      <p15:sldGuideLst xmlns:p15="http://schemas.microsoft.com/office/powerpoint/2012/main">
+        <p15:guide id="1" orient="horz" pos="2160">
+          <p15:clr>
+            <a:srgbClr val="A4A3A4"/>
+          </p15:clr>
+        </p15:guide>
+        <p15:guide id="2" pos="2880">
+          <p15:clr>
+            <a:srgbClr val="A4A3A4"/>
+          </p15:clr>
+        </p15:guide>
+      </p15:sldGuideLst>
+    </p:ext>
+  </p:extLst>
 </p:presentation>
 </file>
 
@@ -312,7 +311,7 @@
             <a:fld id="{1D8BD707-D9CF-40AE-B4C6-C98DA3205C09}" type="datetimeFigureOut">
               <a:rPr lang="en-US" smtClean="0"/>
               <a:pPr/>
-              <a:t>4/12/2010</a:t>
+              <a:t>3/19/2021</a:t>
             </a:fld>
             <a:endParaRPr lang="en-US"/>
           </a:p>
@@ -479,7 +478,7 @@
             <a:fld id="{1D8BD707-D9CF-40AE-B4C6-C98DA3205C09}" type="datetimeFigureOut">
               <a:rPr lang="en-US" smtClean="0"/>
               <a:pPr/>
-              <a:t>4/12/2010</a:t>
+              <a:t>3/19/2021</a:t>
             </a:fld>
             <a:endParaRPr lang="en-US"/>
           </a:p>
@@ -656,7 +655,7 @@
             <a:fld id="{1D8BD707-D9CF-40AE-B4C6-C98DA3205C09}" type="datetimeFigureOut">
               <a:rPr lang="en-US" smtClean="0"/>
               <a:pPr/>
-              <a:t>4/12/2010</a:t>
+              <a:t>3/19/2021</a:t>
             </a:fld>
             <a:endParaRPr lang="en-US"/>
           </a:p>
@@ -823,7 +822,7 @@
             <a:fld id="{1D8BD707-D9CF-40AE-B4C6-C98DA3205C09}" type="datetimeFigureOut">
               <a:rPr lang="en-US" smtClean="0"/>
               <a:pPr/>
-              <a:t>4/12/2010</a:t>
+              <a:t>3/19/2021</a:t>
             </a:fld>
             <a:endParaRPr lang="en-US"/>
           </a:p>
@@ -1067,7 +1066,7 @@
             <a:fld id="{1D8BD707-D9CF-40AE-B4C6-C98DA3205C09}" type="datetimeFigureOut">
               <a:rPr lang="en-US" smtClean="0"/>
               <a:pPr/>
-              <a:t>4/12/2010</a:t>
+              <a:t>3/19/2021</a:t>
             </a:fld>
             <a:endParaRPr lang="en-US"/>
           </a:p>
@@ -1333,7 +1332,7 @@
             <a:fld id="{1D8BD707-D9CF-40AE-B4C6-C98DA3205C09}" type="datetimeFigureOut">
               <a:rPr lang="en-US" smtClean="0"/>
               <a:pPr/>
-              <a:t>4/12/2010</a:t>
+              <a:t>3/19/2021</a:t>
             </a:fld>
             <a:endParaRPr lang="en-US"/>
           </a:p>
@@ -1713,7 +1712,7 @@
             <a:fld id="{1D8BD707-D9CF-40AE-B4C6-C98DA3205C09}" type="datetimeFigureOut">
               <a:rPr lang="en-US" smtClean="0"/>
               <a:pPr/>
-              <a:t>4/12/2010</a:t>
+              <a:t>3/19/2021</a:t>
             </a:fld>
             <a:endParaRPr lang="en-US"/>
           </a:p>
@@ -1865,7 +1864,7 @@
             <a:fld id="{1D8BD707-D9CF-40AE-B4C6-C98DA3205C09}" type="datetimeFigureOut">
               <a:rPr lang="en-US" smtClean="0"/>
               <a:pPr/>
-              <a:t>4/12/2010</a:t>
+              <a:t>3/19/2021</a:t>
             </a:fld>
             <a:endParaRPr lang="en-US"/>
           </a:p>
@@ -1957,7 +1956,7 @@
             <a:fld id="{1D8BD707-D9CF-40AE-B4C6-C98DA3205C09}" type="datetimeFigureOut">
               <a:rPr lang="en-US" smtClean="0"/>
               <a:pPr/>
-              <a:t>4/12/2010</a:t>
+              <a:t>3/19/2021</a:t>
             </a:fld>
             <a:endParaRPr lang="en-US"/>
           </a:p>
@@ -2220,7 +2219,7 @@
             <a:fld id="{1D8BD707-D9CF-40AE-B4C6-C98DA3205C09}" type="datetimeFigureOut">
               <a:rPr lang="en-US" smtClean="0"/>
               <a:pPr/>
-              <a:t>4/12/2010</a:t>
+              <a:t>3/19/2021</a:t>
             </a:fld>
             <a:endParaRPr lang="en-US"/>
           </a:p>
@@ -2510,7 +2509,7 @@
             <a:fld id="{1D8BD707-D9CF-40AE-B4C6-C98DA3205C09}" type="datetimeFigureOut">
               <a:rPr lang="en-US" smtClean="0"/>
               <a:pPr/>
-              <a:t>4/12/2010</a:t>
+              <a:t>3/19/2021</a:t>
             </a:fld>
             <a:endParaRPr lang="en-US"/>
           </a:p>
@@ -3283,7 +3282,7 @@
             <a:fld id="{1D8BD707-D9CF-40AE-B4C6-C98DA3205C09}" type="datetimeFigureOut">
               <a:rPr lang="en-US" smtClean="0"/>
               <a:pPr/>
-              <a:t>4/12/2010</a:t>
+              <a:t>3/19/2021</a:t>
             </a:fld>
             <a:endParaRPr lang="en-US"/>
           </a:p>
@@ -3995,165 +3994,6 @@
       </p:sp>
       <p:sp>
         <p:nvSpPr>
-          <p:cNvPr id="6" name="Rectangle 9"/>
-          <p:cNvSpPr>
-            <a:spLocks noChangeArrowheads="1"/>
-          </p:cNvSpPr>
-          <p:nvPr/>
-        </p:nvSpPr>
-        <p:spPr bwMode="auto">
-          <a:xfrm>
-            <a:off x="533400" y="4038600"/>
-            <a:ext cx="4572000" cy="1384995"/>
-          </a:xfrm>
-          <a:prstGeom prst="rect">
-            <a:avLst/>
-          </a:prstGeom>
-          <a:noFill/>
-          <a:ln w="9525">
-            <a:noFill/>
-            <a:miter lim="800000"/>
-            <a:headEnd/>
-            <a:tailEnd/>
-          </a:ln>
-        </p:spPr>
-        <p:txBody>
-          <a:bodyPr>
-            <a:spAutoFit/>
-          </a:bodyPr>
-          <a:lstStyle/>
-          <a:p>
-            <a:r>
-              <a:rPr lang="en-US" sz="2400" dirty="0" smtClean="0">
-                <a:solidFill>
-                  <a:schemeClr val="tx2"/>
-                </a:solidFill>
-                <a:latin typeface="Times New Roman" pitchFamily="18" charset="0"/>
-                <a:cs typeface="Times New Roman" pitchFamily="18" charset="0"/>
-              </a:rPr>
-              <a:t>PRESENTED </a:t>
-            </a:r>
-            <a:r>
-              <a:rPr lang="en-US" sz="2400" dirty="0">
-                <a:solidFill>
-                  <a:schemeClr val="tx2"/>
-                </a:solidFill>
-                <a:latin typeface="Times New Roman" pitchFamily="18" charset="0"/>
-                <a:cs typeface="Times New Roman" pitchFamily="18" charset="0"/>
-              </a:rPr>
-              <a:t>BY:</a:t>
-            </a:r>
-          </a:p>
-          <a:p>
-            <a:endParaRPr lang="en-US" sz="2400" i="0" dirty="0">
-              <a:solidFill>
-                <a:schemeClr val="tx2"/>
-              </a:solidFill>
-            </a:endParaRPr>
-          </a:p>
-          <a:p>
-            <a:r>
-              <a:rPr lang="en-US" sz="1800" u="none" dirty="0">
-                <a:solidFill>
-                  <a:schemeClr val="tx2"/>
-                </a:solidFill>
-                <a:latin typeface="Arial" charset="0"/>
-              </a:rPr>
-              <a:t>   </a:t>
-            </a:r>
-            <a:r>
-              <a:rPr lang="en-US" sz="1800" u="none" dirty="0" smtClean="0">
-                <a:solidFill>
-                  <a:schemeClr val="tx2"/>
-                </a:solidFill>
-                <a:latin typeface="Arial" charset="0"/>
-              </a:rPr>
-              <a:t> </a:t>
-            </a:r>
-            <a:r>
-              <a:rPr lang="en-US" sz="1800" u="none" dirty="0" smtClean="0">
-                <a:solidFill>
-                  <a:schemeClr val="tx2"/>
-                </a:solidFill>
-                <a:latin typeface="Times New Roman" pitchFamily="18" charset="0"/>
-                <a:cs typeface="Times New Roman" pitchFamily="18" charset="0"/>
-              </a:rPr>
-              <a:t>A VISWANATH (06A81A1259)</a:t>
-            </a:r>
-          </a:p>
-          <a:p>
-            <a:r>
-              <a:rPr lang="en-US" dirty="0" smtClean="0">
-                <a:solidFill>
-                  <a:schemeClr val="tx2"/>
-                </a:solidFill>
-                <a:latin typeface="Times New Roman" pitchFamily="18" charset="0"/>
-                <a:cs typeface="Times New Roman" pitchFamily="18" charset="0"/>
-              </a:rPr>
-              <a:t> </a:t>
-            </a:r>
-            <a:r>
-              <a:rPr lang="en-US" dirty="0" smtClean="0">
-                <a:solidFill>
-                  <a:schemeClr val="tx2"/>
-                </a:solidFill>
-                <a:latin typeface="Times New Roman" pitchFamily="18" charset="0"/>
-                <a:cs typeface="Times New Roman" pitchFamily="18" charset="0"/>
-              </a:rPr>
-              <a:t>    V </a:t>
-            </a:r>
-            <a:r>
-              <a:rPr lang="en-US" dirty="0" err="1" smtClean="0">
-                <a:solidFill>
-                  <a:schemeClr val="tx2"/>
-                </a:solidFill>
-                <a:latin typeface="Times New Roman" pitchFamily="18" charset="0"/>
-                <a:cs typeface="Times New Roman" pitchFamily="18" charset="0"/>
-              </a:rPr>
-              <a:t>V</a:t>
-            </a:r>
-            <a:r>
-              <a:rPr lang="en-US" dirty="0" smtClean="0">
-                <a:solidFill>
-                  <a:schemeClr val="tx2"/>
-                </a:solidFill>
-                <a:latin typeface="Times New Roman" pitchFamily="18" charset="0"/>
-                <a:cs typeface="Times New Roman" pitchFamily="18" charset="0"/>
-              </a:rPr>
-              <a:t> </a:t>
-            </a:r>
-            <a:r>
-              <a:rPr lang="en-US" dirty="0" err="1" smtClean="0">
-                <a:solidFill>
-                  <a:schemeClr val="tx2"/>
-                </a:solidFill>
-                <a:latin typeface="Times New Roman" pitchFamily="18" charset="0"/>
-                <a:cs typeface="Times New Roman" pitchFamily="18" charset="0"/>
-              </a:rPr>
-              <a:t>V</a:t>
-            </a:r>
-            <a:r>
-              <a:rPr lang="en-US" dirty="0" smtClean="0">
-                <a:solidFill>
-                  <a:schemeClr val="tx2"/>
-                </a:solidFill>
-                <a:latin typeface="Times New Roman" pitchFamily="18" charset="0"/>
-                <a:cs typeface="Times New Roman" pitchFamily="18" charset="0"/>
-              </a:rPr>
-              <a:t> D T DILIP KUMAR (06A81A1253)</a:t>
-            </a:r>
-            <a:endParaRPr lang="en-US" sz="1800" u="none" dirty="0">
-              <a:solidFill>
-                <a:schemeClr val="tx2"/>
-              </a:solidFill>
-              <a:latin typeface="Times New Roman" pitchFamily="18" charset="0"/>
-              <a:cs typeface="Times New Roman" pitchFamily="18" charset="0"/>
-            </a:endParaRPr>
-          </a:p>
-        </p:txBody>
-      </p:sp>
-      <p:sp>
-        <p:nvSpPr>
           <p:cNvPr id="7" name="Rectangle 10"/>
           <p:cNvSpPr>
             <a:spLocks noChangeArrowheads="1"/>
@@ -4230,7 +4070,37 @@
                 <a:latin typeface="Times New Roman" pitchFamily="18" charset="0"/>
                 <a:cs typeface="Times New Roman" pitchFamily="18" charset="0"/>
               </a:rPr>
-              <a:t> K SHIRIN BHANU</a:t>
+              <a:t> </a:t>
+            </a:r>
+            <a:r>
+              <a:rPr lang="en-US" dirty="0" smtClean="0">
+                <a:solidFill>
+                  <a:schemeClr val="tx2"/>
+                </a:solidFill>
+                <a:latin typeface="Times New Roman" pitchFamily="18" charset="0"/>
+                <a:cs typeface="Times New Roman" pitchFamily="18" charset="0"/>
+              </a:rPr>
+              <a:t>Md. </a:t>
+            </a:r>
+            <a:r>
+              <a:rPr lang="en-US" dirty="0" err="1" smtClean="0">
+                <a:solidFill>
+                  <a:schemeClr val="tx2"/>
+                </a:solidFill>
+                <a:latin typeface="Times New Roman" pitchFamily="18" charset="0"/>
+                <a:cs typeface="Times New Roman" pitchFamily="18" charset="0"/>
+              </a:rPr>
+              <a:t>Ramim</a:t>
+            </a:r>
+            <a:r>
+              <a:rPr lang="en-US" dirty="0" smtClean="0">
+                <a:solidFill>
+                  <a:schemeClr val="tx2"/>
+                </a:solidFill>
+                <a:latin typeface="Times New Roman" pitchFamily="18" charset="0"/>
+                <a:cs typeface="Times New Roman" pitchFamily="18" charset="0"/>
+              </a:rPr>
+              <a:t> Hossain</a:t>
             </a:r>
             <a:endParaRPr lang="en-US" sz="1800" u="none" dirty="0">
               <a:solidFill>
@@ -4390,7 +4260,7 @@
                             </p:stCondLst>
                             <p:childTnLst>
                               <p:par>
-                                <p:cTn id="15" presetID="4" presetClass="entr" presetSubtype="16" fill="hold" nodeType="clickEffect">
+                                <p:cTn id="15" presetID="6" presetClass="entr" presetSubtype="16" fill="hold" nodeType="clickEffect">
                                   <p:stCondLst>
                                     <p:cond delay="0"/>
                                   </p:stCondLst>
@@ -4403,7 +4273,7 @@
                                           </p:stCondLst>
                                         </p:cTn>
                                         <p:tgtEl>
-                                          <p:spTgt spid="6">
+                                          <p:spTgt spid="7">
                                             <p:txEl>
                                               <p:pRg st="0" end="0"/>
                                             </p:txEl>
@@ -4417,11 +4287,11 @@
                                         <p:strVal val="visible"/>
                                       </p:to>
                                     </p:set>
-                                    <p:animEffect transition="in" filter="box(in)">
-                                      <p:cBhvr>
-                                        <p:cTn id="17" dur="500"/>
-                                        <p:tgtEl>
-                                          <p:spTgt spid="6">
+                                    <p:animEffect transition="in" filter="circle(in)">
+                                      <p:cBhvr>
+                                        <p:cTn id="17" dur="2000"/>
+                                        <p:tgtEl>
+                                          <p:spTgt spid="7">
                                             <p:txEl>
                                               <p:pRg st="0" end="0"/>
                                             </p:txEl>
@@ -4464,7 +4334,7 @@
                                           </p:stCondLst>
                                         </p:cTn>
                                         <p:tgtEl>
-                                          <p:spTgt spid="6">
+                                          <p:spTgt spid="7">
                                             <p:txEl>
                                               <p:pRg st="2" end="2"/>
                                             </p:txEl>
@@ -4482,7 +4352,7 @@
                                       <p:cBhvr additive="base">
                                         <p:cTn id="22" dur="500" fill="hold"/>
                                         <p:tgtEl>
-                                          <p:spTgt spid="6">
+                                          <p:spTgt spid="7">
                                             <p:txEl>
                                               <p:pRg st="2" end="2"/>
                                             </p:txEl>
@@ -4508,273 +4378,6 @@
                                     <p:anim calcmode="lin" valueType="num">
                                       <p:cBhvr additive="base">
                                         <p:cTn id="23" dur="500" fill="hold"/>
-                                        <p:tgtEl>
-                                          <p:spTgt spid="6">
-                                            <p:txEl>
-                                              <p:pRg st="2" end="2"/>
-                                            </p:txEl>
-                                          </p:spTgt>
-                                        </p:tgtEl>
-                                        <p:attrNameLst>
-                                          <p:attrName>ppt_y</p:attrName>
-                                        </p:attrNameLst>
-                                      </p:cBhvr>
-                                      <p:tavLst>
-                                        <p:tav tm="0">
-                                          <p:val>
-                                            <p:strVal val="1+#ppt_h/2"/>
-                                          </p:val>
-                                        </p:tav>
-                                        <p:tav tm="100000">
-                                          <p:val>
-                                            <p:strVal val="#ppt_y"/>
-                                          </p:val>
-                                        </p:tav>
-                                      </p:tavLst>
-                                    </p:anim>
-                                  </p:childTnLst>
-                                </p:cTn>
-                              </p:par>
-                            </p:childTnLst>
-                          </p:cTn>
-                        </p:par>
-                      </p:childTnLst>
-                    </p:cTn>
-                  </p:par>
-                  <p:par>
-                    <p:cTn id="24" fill="hold">
-                      <p:stCondLst>
-                        <p:cond delay="indefinite"/>
-                      </p:stCondLst>
-                      <p:childTnLst>
-                        <p:par>
-                          <p:cTn id="25" fill="hold">
-                            <p:stCondLst>
-                              <p:cond delay="0"/>
-                            </p:stCondLst>
-                            <p:childTnLst>
-                              <p:par>
-                                <p:cTn id="26" presetID="2" presetClass="entr" presetSubtype="4" fill="hold" nodeType="clickEffect">
-                                  <p:stCondLst>
-                                    <p:cond delay="0"/>
-                                  </p:stCondLst>
-                                  <p:childTnLst>
-                                    <p:set>
-                                      <p:cBhvr>
-                                        <p:cTn id="27" dur="1" fill="hold">
-                                          <p:stCondLst>
-                                            <p:cond delay="0"/>
-                                          </p:stCondLst>
-                                        </p:cTn>
-                                        <p:tgtEl>
-                                          <p:spTgt spid="6">
-                                            <p:txEl>
-                                              <p:pRg st="3" end="3"/>
-                                            </p:txEl>
-                                          </p:spTgt>
-                                        </p:tgtEl>
-                                        <p:attrNameLst>
-                                          <p:attrName>style.visibility</p:attrName>
-                                        </p:attrNameLst>
-                                      </p:cBhvr>
-                                      <p:to>
-                                        <p:strVal val="visible"/>
-                                      </p:to>
-                                    </p:set>
-                                    <p:anim calcmode="lin" valueType="num">
-                                      <p:cBhvr additive="base">
-                                        <p:cTn id="28" dur="500" fill="hold"/>
-                                        <p:tgtEl>
-                                          <p:spTgt spid="6">
-                                            <p:txEl>
-                                              <p:pRg st="3" end="3"/>
-                                            </p:txEl>
-                                          </p:spTgt>
-                                        </p:tgtEl>
-                                        <p:attrNameLst>
-                                          <p:attrName>ppt_x</p:attrName>
-                                        </p:attrNameLst>
-                                      </p:cBhvr>
-                                      <p:tavLst>
-                                        <p:tav tm="0">
-                                          <p:val>
-                                            <p:strVal val="#ppt_x"/>
-                                          </p:val>
-                                        </p:tav>
-                                        <p:tav tm="100000">
-                                          <p:val>
-                                            <p:strVal val="#ppt_x"/>
-                                          </p:val>
-                                        </p:tav>
-                                      </p:tavLst>
-                                    </p:anim>
-                                    <p:anim calcmode="lin" valueType="num">
-                                      <p:cBhvr additive="base">
-                                        <p:cTn id="29" dur="500" fill="hold"/>
-                                        <p:tgtEl>
-                                          <p:spTgt spid="6">
-                                            <p:txEl>
-                                              <p:pRg st="3" end="3"/>
-                                            </p:txEl>
-                                          </p:spTgt>
-                                        </p:tgtEl>
-                                        <p:attrNameLst>
-                                          <p:attrName>ppt_y</p:attrName>
-                                        </p:attrNameLst>
-                                      </p:cBhvr>
-                                      <p:tavLst>
-                                        <p:tav tm="0">
-                                          <p:val>
-                                            <p:strVal val="1+#ppt_h/2"/>
-                                          </p:val>
-                                        </p:tav>
-                                        <p:tav tm="100000">
-                                          <p:val>
-                                            <p:strVal val="#ppt_y"/>
-                                          </p:val>
-                                        </p:tav>
-                                      </p:tavLst>
-                                    </p:anim>
-                                  </p:childTnLst>
-                                </p:cTn>
-                              </p:par>
-                            </p:childTnLst>
-                          </p:cTn>
-                        </p:par>
-                      </p:childTnLst>
-                    </p:cTn>
-                  </p:par>
-                  <p:par>
-                    <p:cTn id="30" fill="hold">
-                      <p:stCondLst>
-                        <p:cond delay="indefinite"/>
-                      </p:stCondLst>
-                      <p:childTnLst>
-                        <p:par>
-                          <p:cTn id="31" fill="hold">
-                            <p:stCondLst>
-                              <p:cond delay="0"/>
-                            </p:stCondLst>
-                            <p:childTnLst>
-                              <p:par>
-                                <p:cTn id="32" presetID="6" presetClass="entr" presetSubtype="16" fill="hold" nodeType="clickEffect">
-                                  <p:stCondLst>
-                                    <p:cond delay="0"/>
-                                  </p:stCondLst>
-                                  <p:childTnLst>
-                                    <p:set>
-                                      <p:cBhvr>
-                                        <p:cTn id="33" dur="1" fill="hold">
-                                          <p:stCondLst>
-                                            <p:cond delay="0"/>
-                                          </p:stCondLst>
-                                        </p:cTn>
-                                        <p:tgtEl>
-                                          <p:spTgt spid="7">
-                                            <p:txEl>
-                                              <p:pRg st="0" end="0"/>
-                                            </p:txEl>
-                                          </p:spTgt>
-                                        </p:tgtEl>
-                                        <p:attrNameLst>
-                                          <p:attrName>style.visibility</p:attrName>
-                                        </p:attrNameLst>
-                                      </p:cBhvr>
-                                      <p:to>
-                                        <p:strVal val="visible"/>
-                                      </p:to>
-                                    </p:set>
-                                    <p:animEffect transition="in" filter="circle(in)">
-                                      <p:cBhvr>
-                                        <p:cTn id="34" dur="2000"/>
-                                        <p:tgtEl>
-                                          <p:spTgt spid="7">
-                                            <p:txEl>
-                                              <p:pRg st="0" end="0"/>
-                                            </p:txEl>
-                                          </p:spTgt>
-                                        </p:tgtEl>
-                                      </p:cBhvr>
-                                    </p:animEffect>
-                                  </p:childTnLst>
-                                </p:cTn>
-                              </p:par>
-                            </p:childTnLst>
-                          </p:cTn>
-                        </p:par>
-                      </p:childTnLst>
-                    </p:cTn>
-                  </p:par>
-                  <p:par>
-                    <p:cTn id="35" fill="hold">
-                      <p:stCondLst>
-                        <p:cond delay="indefinite"/>
-                      </p:stCondLst>
-                      <p:childTnLst>
-                        <p:par>
-                          <p:cTn id="36" fill="hold">
-                            <p:stCondLst>
-                              <p:cond delay="0"/>
-                            </p:stCondLst>
-                            <p:childTnLst>
-                              <p:par>
-                                <p:cTn id="37" presetID="2" presetClass="entr" presetSubtype="4" fill="hold" nodeType="clickEffect">
-                                  <p:stCondLst>
-                                    <p:cond delay="0"/>
-                                  </p:stCondLst>
-                                  <p:childTnLst>
-                                    <p:set>
-                                      <p:cBhvr>
-                                        <p:cTn id="38" dur="1" fill="hold">
-                                          <p:stCondLst>
-                                            <p:cond delay="0"/>
-                                          </p:stCondLst>
-                                        </p:cTn>
-                                        <p:tgtEl>
-                                          <p:spTgt spid="7">
-                                            <p:txEl>
-                                              <p:pRg st="2" end="2"/>
-                                            </p:txEl>
-                                          </p:spTgt>
-                                        </p:tgtEl>
-                                        <p:attrNameLst>
-                                          <p:attrName>style.visibility</p:attrName>
-                                        </p:attrNameLst>
-                                      </p:cBhvr>
-                                      <p:to>
-                                        <p:strVal val="visible"/>
-                                      </p:to>
-                                    </p:set>
-                                    <p:anim calcmode="lin" valueType="num">
-                                      <p:cBhvr additive="base">
-                                        <p:cTn id="39" dur="500" fill="hold"/>
-                                        <p:tgtEl>
-                                          <p:spTgt spid="7">
-                                            <p:txEl>
-                                              <p:pRg st="2" end="2"/>
-                                            </p:txEl>
-                                          </p:spTgt>
-                                        </p:tgtEl>
-                                        <p:attrNameLst>
-                                          <p:attrName>ppt_x</p:attrName>
-                                        </p:attrNameLst>
-                                      </p:cBhvr>
-                                      <p:tavLst>
-                                        <p:tav tm="0">
-                                          <p:val>
-                                            <p:strVal val="#ppt_x"/>
-                                          </p:val>
-                                        </p:tav>
-                                        <p:tav tm="100000">
-                                          <p:val>
-                                            <p:strVal val="#ppt_x"/>
-                                          </p:val>
-                                        </p:tav>
-                                      </p:tavLst>
-                                    </p:anim>
-                                    <p:anim calcmode="lin" valueType="num">
-                                      <p:cBhvr additive="base">
-                                        <p:cTn id="40" dur="500" fill="hold"/>
                                         <p:tgtEl>
                                           <p:spTgt spid="7">
                                             <p:txEl>
@@ -6249,7 +5852,7 @@
       </p:grpSpPr>
       <p:sp>
         <p:nvSpPr>
-          <p:cNvPr id="2" name="Rectangle 5"/>
+          <p:cNvPr id="2" name="Rectangle 4"/>
           <p:cNvSpPr>
             <a:spLocks noChangeArrowheads="1"/>
           </p:cNvSpPr>
@@ -6257,8 +5860,8 @@
         </p:nvSpPr>
         <p:spPr bwMode="auto">
           <a:xfrm>
-            <a:off x="0" y="176213"/>
-            <a:ext cx="9144000" cy="0"/>
+            <a:off x="609600" y="1981200"/>
+            <a:ext cx="8001000" cy="2308324"/>
           </a:xfrm>
           <a:prstGeom prst="rect">
             <a:avLst/>
@@ -6272,38 +5875,22 @@
           </a:ln>
         </p:spPr>
         <p:txBody>
-          <a:bodyPr wrap="none" anchor="ctr">
+          <a:bodyPr wrap="square" anchor="ctr">
             <a:spAutoFit/>
           </a:bodyPr>
           <a:lstStyle/>
           <a:p>
-            <a:endParaRPr lang="en-US"/>
+            <a:pPr algn="just" eaLnBrk="1" hangingPunct="1"/>
+            <a:r>
+              <a:rPr lang="en-US" sz="2400" u="none" dirty="0"/>
+              <a:t>Web Enabled Defect Tracking System provides knowledge about the latest technology used in developing web enabled application and client server technology that will be great demand in future. This will provide better opportunities and guidance in future in developing projects independently.</a:t>
+            </a:r>
           </a:p>
         </p:txBody>
       </p:sp>
-      <p:graphicFrame>
-        <p:nvGraphicFramePr>
-          <p:cNvPr id="3" name="Object 0"/>
-          <p:cNvGraphicFramePr>
-            <a:graphicFrameLocks noChangeAspect="1"/>
-          </p:cNvGraphicFramePr>
-          <p:nvPr/>
-        </p:nvGraphicFramePr>
-        <p:xfrm>
-          <a:off x="685800" y="228600"/>
-          <a:ext cx="7848600" cy="6276975"/>
-        </p:xfrm>
-        <a:graphic>
-          <a:graphicData uri="http://schemas.openxmlformats.org/presentationml/2006/ole">
-            <p:oleObj spid="_x0000_s1026" r:id="rId3" imgW="5433974" imgH="6505651" progId="Visio.Drawing.11">
-              <p:embed/>
-            </p:oleObj>
-          </a:graphicData>
-        </a:graphic>
-      </p:graphicFrame>
       <p:sp>
         <p:nvSpPr>
-          <p:cNvPr id="4" name="Text Box 6"/>
+          <p:cNvPr id="3" name="Text Box 5"/>
           <p:cNvSpPr txBox="1">
             <a:spLocks noChangeArrowheads="1"/>
           </p:cNvSpPr>
@@ -6311,8 +5898,8 @@
         </p:nvSpPr>
         <p:spPr bwMode="auto">
           <a:xfrm>
-            <a:off x="2895600" y="939225"/>
-            <a:ext cx="3810000" cy="584775"/>
+            <a:off x="3524250" y="990600"/>
+            <a:ext cx="2189830" cy="584775"/>
           </a:xfrm>
           <a:prstGeom prst="rect">
             <a:avLst/>
@@ -6326,18 +5913,14 @@
           </a:ln>
         </p:spPr>
         <p:txBody>
-          <a:bodyPr>
+          <a:bodyPr wrap="none">
             <a:spAutoFit/>
           </a:bodyPr>
           <a:lstStyle/>
           <a:p>
             <a:r>
-              <a:rPr lang="en-US" sz="3200" dirty="0"/>
-              <a:t>Use Case </a:t>
-            </a:r>
-            <a:r>
               <a:rPr lang="en-US" sz="3200" dirty="0" smtClean="0"/>
-              <a:t>Diagrams</a:t>
+              <a:t>Conclusion</a:t>
             </a:r>
             <a:endParaRPr lang="en-US" sz="3200" dirty="0"/>
           </a:p>
@@ -6348,6 +5931,97 @@
   <p:clrMapOvr>
     <a:masterClrMapping/>
   </p:clrMapOvr>
+  <p:timing>
+    <p:tnLst>
+      <p:par>
+        <p:cTn id="1" dur="indefinite" restart="never" nodeType="tmRoot">
+          <p:childTnLst>
+            <p:seq concurrent="1" nextAc="seek">
+              <p:cTn id="2" dur="indefinite" nodeType="mainSeq">
+                <p:childTnLst>
+                  <p:par>
+                    <p:cTn id="3" fill="hold">
+                      <p:stCondLst>
+                        <p:cond delay="indefinite"/>
+                      </p:stCondLst>
+                      <p:childTnLst>
+                        <p:par>
+                          <p:cTn id="4" fill="hold">
+                            <p:stCondLst>
+                              <p:cond delay="0"/>
+                            </p:stCondLst>
+                            <p:childTnLst>
+                              <p:par>
+                                <p:cTn id="5" presetID="3" presetClass="entr" presetSubtype="10" fill="hold" nodeType="clickEffect">
+                                  <p:stCondLst>
+                                    <p:cond delay="0"/>
+                                  </p:stCondLst>
+                                  <p:childTnLst>
+                                    <p:set>
+                                      <p:cBhvr>
+                                        <p:cTn id="6" dur="1" fill="hold">
+                                          <p:stCondLst>
+                                            <p:cond delay="0"/>
+                                          </p:stCondLst>
+                                        </p:cTn>
+                                        <p:tgtEl>
+                                          <p:spTgt spid="2">
+                                            <p:txEl>
+                                              <p:pRg st="0" end="0"/>
+                                            </p:txEl>
+                                          </p:spTgt>
+                                        </p:tgtEl>
+                                        <p:attrNameLst>
+                                          <p:attrName>style.visibility</p:attrName>
+                                        </p:attrNameLst>
+                                      </p:cBhvr>
+                                      <p:to>
+                                        <p:strVal val="visible"/>
+                                      </p:to>
+                                    </p:set>
+                                    <p:animEffect transition="in" filter="blinds(horizontal)">
+                                      <p:cBhvr>
+                                        <p:cTn id="7" dur="500"/>
+                                        <p:tgtEl>
+                                          <p:spTgt spid="2">
+                                            <p:txEl>
+                                              <p:pRg st="0" end="0"/>
+                                            </p:txEl>
+                                          </p:spTgt>
+                                        </p:tgtEl>
+                                      </p:cBhvr>
+                                    </p:animEffect>
+                                  </p:childTnLst>
+                                </p:cTn>
+                              </p:par>
+                            </p:childTnLst>
+                          </p:cTn>
+                        </p:par>
+                      </p:childTnLst>
+                    </p:cTn>
+                  </p:par>
+                </p:childTnLst>
+              </p:cTn>
+              <p:prevCondLst>
+                <p:cond evt="onPrev" delay="0">
+                  <p:tgtEl>
+                    <p:sldTgt/>
+                  </p:tgtEl>
+                </p:cond>
+              </p:prevCondLst>
+              <p:nextCondLst>
+                <p:cond evt="onNext" delay="0">
+                  <p:tgtEl>
+                    <p:sldTgt/>
+                  </p:tgtEl>
+                </p:cond>
+              </p:nextCondLst>
+            </p:seq>
+          </p:childTnLst>
+        </p:cTn>
+      </p:par>
+    </p:tnLst>
+  </p:timing>
 </p:sld>
 </file>
 
@@ -6368,144 +6042,9 @@
           <a:chExt cx="0" cy="0"/>
         </a:xfrm>
       </p:grpSpPr>
-      <p:graphicFrame>
-        <p:nvGraphicFramePr>
-          <p:cNvPr id="2050" name="Object 2"/>
-          <p:cNvGraphicFramePr>
-            <a:graphicFrameLocks noChangeAspect="1"/>
-          </p:cNvGraphicFramePr>
-          <p:nvPr/>
-        </p:nvGraphicFramePr>
-        <p:xfrm>
-          <a:off x="609600" y="-2667000"/>
-          <a:ext cx="8077200" cy="9144000"/>
-        </p:xfrm>
-        <a:graphic>
-          <a:graphicData uri="http://schemas.openxmlformats.org/presentationml/2006/ole">
-            <p:oleObj spid="_x0000_s2050" r:id="rId3" imgW="5416906" imgH="8500262" progId="Visio.Drawing.11">
-              <p:embed/>
-            </p:oleObj>
-          </a:graphicData>
-        </a:graphic>
-      </p:graphicFrame>
-    </p:spTree>
-  </p:cSld>
-  <p:clrMapOvr>
-    <a:masterClrMapping/>
-  </p:clrMapOvr>
-</p:sld>
-</file>
-
-<file path=ppt/slides/slide16.xml><?xml version="1.0" encoding="utf-8"?>
-<p:sld xmlns:a="http://schemas.openxmlformats.org/drawingml/2006/main" xmlns:r="http://schemas.openxmlformats.org/officeDocument/2006/relationships" xmlns:p="http://schemas.openxmlformats.org/presentationml/2006/main">
-  <p:cSld>
-    <p:spTree>
-      <p:nvGrpSpPr>
-        <p:cNvPr id="1" name=""/>
-        <p:cNvGrpSpPr/>
-        <p:nvPr/>
-      </p:nvGrpSpPr>
-      <p:grpSpPr>
-        <a:xfrm>
-          <a:off x="0" y="0"/>
-          <a:ext cx="0" cy="0"/>
-          <a:chOff x="0" y="0"/>
-          <a:chExt cx="0" cy="0"/>
-        </a:xfrm>
-      </p:grpSpPr>
-      <p:graphicFrame>
-        <p:nvGraphicFramePr>
-          <p:cNvPr id="3074" name="Object 2"/>
-          <p:cNvGraphicFramePr>
-            <a:graphicFrameLocks noChangeAspect="1"/>
-          </p:cNvGraphicFramePr>
-          <p:nvPr/>
-        </p:nvGraphicFramePr>
-        <p:xfrm>
-          <a:off x="838200" y="-1905000"/>
-          <a:ext cx="8001000" cy="8143875"/>
-        </p:xfrm>
-        <a:graphic>
-          <a:graphicData uri="http://schemas.openxmlformats.org/presentationml/2006/ole">
-            <p:oleObj spid="_x0000_s3074" r:id="rId3" imgW="5812231" imgH="8140294" progId="Visio.Drawing.11">
-              <p:embed/>
-            </p:oleObj>
-          </a:graphicData>
-        </a:graphic>
-      </p:graphicFrame>
-    </p:spTree>
-  </p:cSld>
-  <p:clrMapOvr>
-    <a:masterClrMapping/>
-  </p:clrMapOvr>
-</p:sld>
-</file>
-
-<file path=ppt/slides/slide17.xml><?xml version="1.0" encoding="utf-8"?>
-<p:sld xmlns:a="http://schemas.openxmlformats.org/drawingml/2006/main" xmlns:r="http://schemas.openxmlformats.org/officeDocument/2006/relationships" xmlns:p="http://schemas.openxmlformats.org/presentationml/2006/main">
-  <p:cSld>
-    <p:spTree>
-      <p:nvGrpSpPr>
-        <p:cNvPr id="1" name=""/>
-        <p:cNvGrpSpPr/>
-        <p:nvPr/>
-      </p:nvGrpSpPr>
-      <p:grpSpPr>
-        <a:xfrm>
-          <a:off x="0" y="0"/>
-          <a:ext cx="0" cy="0"/>
-          <a:chOff x="0" y="0"/>
-          <a:chExt cx="0" cy="0"/>
-        </a:xfrm>
-      </p:grpSpPr>
-      <p:graphicFrame>
-        <p:nvGraphicFramePr>
-          <p:cNvPr id="4098" name="Object 2"/>
-          <p:cNvGraphicFramePr>
-            <a:graphicFrameLocks noChangeAspect="1"/>
-          </p:cNvGraphicFramePr>
-          <p:nvPr/>
-        </p:nvGraphicFramePr>
-        <p:xfrm>
-          <a:off x="0" y="-3657600"/>
-          <a:ext cx="8915400" cy="9067800"/>
-        </p:xfrm>
-        <a:graphic>
-          <a:graphicData uri="http://schemas.openxmlformats.org/presentationml/2006/ole">
-            <p:oleObj spid="_x0000_s4098" r:id="rId3" imgW="5751881" imgH="9760306" progId="Visio.Drawing.11">
-              <p:embed/>
-            </p:oleObj>
-          </a:graphicData>
-        </a:graphic>
-      </p:graphicFrame>
-    </p:spTree>
-  </p:cSld>
-  <p:clrMapOvr>
-    <a:masterClrMapping/>
-  </p:clrMapOvr>
-</p:sld>
-</file>
-
-<file path=ppt/slides/slide18.xml><?xml version="1.0" encoding="utf-8"?>
-<p:sld xmlns:a="http://schemas.openxmlformats.org/drawingml/2006/main" xmlns:r="http://schemas.openxmlformats.org/officeDocument/2006/relationships" xmlns:p="http://schemas.openxmlformats.org/presentationml/2006/main">
-  <p:cSld>
-    <p:spTree>
-      <p:nvGrpSpPr>
-        <p:cNvPr id="1" name=""/>
-        <p:cNvGrpSpPr/>
-        <p:nvPr/>
-      </p:nvGrpSpPr>
-      <p:grpSpPr>
-        <a:xfrm>
-          <a:off x="0" y="0"/>
-          <a:ext cx="0" cy="0"/>
-          <a:chOff x="0" y="0"/>
-          <a:chExt cx="0" cy="0"/>
-        </a:xfrm>
-      </p:grpSpPr>
       <p:sp>
         <p:nvSpPr>
-          <p:cNvPr id="2" name="Text Box 6"/>
+          <p:cNvPr id="2" name="TextBox 3"/>
           <p:cNvSpPr txBox="1">
             <a:spLocks noChangeArrowheads="1"/>
           </p:cNvSpPr>
@@ -6513,8 +6052,8 @@
         </p:nvSpPr>
         <p:spPr bwMode="auto">
           <a:xfrm>
-            <a:off x="3394075" y="838200"/>
-            <a:ext cx="3159125" cy="584775"/>
+            <a:off x="609600" y="2133600"/>
+            <a:ext cx="7696200" cy="2216150"/>
           </a:xfrm>
           <a:prstGeom prst="rect">
             <a:avLst/>
@@ -6528,215 +6067,20 @@
           </a:ln>
         </p:spPr>
         <p:txBody>
-          <a:bodyPr wrap="square">
+          <a:bodyPr>
             <a:spAutoFit/>
           </a:bodyPr>
           <a:lstStyle/>
           <a:p>
-            <a:r>
-              <a:rPr lang="en-US" sz="3200" dirty="0"/>
-              <a:t>Output </a:t>
-            </a:r>
-            <a:r>
-              <a:rPr lang="en-US" sz="3200" dirty="0" smtClean="0"/>
-              <a:t>Screens</a:t>
-            </a:r>
-            <a:endParaRPr lang="en-US" sz="3200" dirty="0"/>
-          </a:p>
-        </p:txBody>
-      </p:sp>
-      <p:sp>
-        <p:nvSpPr>
-          <p:cNvPr id="5149" name="Rectangle 29"/>
-          <p:cNvSpPr>
-            <a:spLocks noChangeArrowheads="1"/>
-          </p:cNvSpPr>
-          <p:nvPr/>
-        </p:nvSpPr>
-        <p:spPr bwMode="auto">
-          <a:xfrm>
-            <a:off x="466745" y="1524001"/>
-            <a:ext cx="1895455" cy="830997"/>
-          </a:xfrm>
-          <a:prstGeom prst="rect">
-            <a:avLst/>
-          </a:prstGeom>
-          <a:noFill/>
-          <a:ln w="9525">
-            <a:noFill/>
-            <a:miter lim="800000"/>
-            <a:headEnd/>
-            <a:tailEnd/>
-          </a:ln>
-          <a:effectLst/>
-        </p:spPr>
-        <p:txBody>
-          <a:bodyPr vert="horz" wrap="square" lIns="91440" tIns="45720" rIns="91440" bIns="45720" numCol="1" anchor="ctr" anchorCtr="0" compatLnSpc="1">
-            <a:prstTxWarp prst="textNoShape">
-              <a:avLst/>
-            </a:prstTxWarp>
-            <a:spAutoFit/>
-          </a:bodyPr>
-          <a:lstStyle/>
-          <a:p>
-            <a:pPr marL="0" marR="0" lvl="0" indent="0" algn="l" defTabSz="914400" rtl="0" eaLnBrk="1" fontAlgn="base" latinLnBrk="0" hangingPunct="1">
-              <a:lnSpc>
-                <a:spcPct val="100000"/>
-              </a:lnSpc>
-              <a:spcBef>
-                <a:spcPct val="0"/>
-              </a:spcBef>
-              <a:spcAft>
-                <a:spcPct val="0"/>
-              </a:spcAft>
-              <a:buClrTx/>
-              <a:buSzTx/>
-              <a:buFontTx/>
-              <a:buNone/>
-              <a:tabLst>
-                <a:tab pos="1628775" algn="l"/>
-              </a:tabLst>
-            </a:pPr>
-            <a:r>
-              <a:rPr kumimoji="0" lang="en-US" sz="2400" b="1" i="0" u="none" strike="noStrike" cap="none" normalizeH="0" baseline="0" dirty="0" smtClean="0">
-                <a:ln>
-                  <a:noFill/>
-                </a:ln>
-                <a:solidFill>
-                  <a:schemeClr val="tx1"/>
-                </a:solidFill>
-                <a:effectLst/>
-                <a:ea typeface="Times New Roman" pitchFamily="18" charset="0"/>
-                <a:cs typeface="Times New Roman" pitchFamily="18" charset="0"/>
+            <a:pPr algn="ctr"/>
+            <a:r>
+              <a:rPr lang="en-US" sz="13800" dirty="0">
+                <a:latin typeface="Freestyle Script" pitchFamily="66" charset="0"/>
               </a:rPr>
-              <a:t> Home Page</a:t>
-            </a:r>
-            <a:endParaRPr kumimoji="0" lang="en-US" sz="2400" b="0" i="0" u="none" strike="noStrike" cap="none" normalizeH="0" baseline="0" dirty="0" smtClean="0">
-              <a:ln>
-                <a:noFill/>
-              </a:ln>
-              <a:solidFill>
-                <a:schemeClr val="tx1"/>
-              </a:solidFill>
-              <a:effectLst/>
-            </a:endParaRPr>
-          </a:p>
-          <a:p>
-            <a:pPr marL="0" marR="0" lvl="0" indent="0" algn="l" defTabSz="914400" rtl="0" eaLnBrk="0" fontAlgn="base" latinLnBrk="0" hangingPunct="0">
-              <a:lnSpc>
-                <a:spcPct val="100000"/>
-              </a:lnSpc>
-              <a:spcBef>
-                <a:spcPct val="0"/>
-              </a:spcBef>
-              <a:spcAft>
-                <a:spcPct val="0"/>
-              </a:spcAft>
-              <a:buClrTx/>
-              <a:buSzTx/>
-              <a:buFontTx/>
-              <a:buNone/>
-              <a:tabLst>
-                <a:tab pos="1628775" algn="l"/>
-              </a:tabLst>
-            </a:pPr>
-            <a:endParaRPr kumimoji="0" lang="en-US" sz="2400" b="0" i="0" u="none" strike="noStrike" cap="none" normalizeH="0" baseline="0" dirty="0" smtClean="0">
-              <a:ln>
-                <a:noFill/>
-              </a:ln>
-              <a:solidFill>
-                <a:schemeClr val="tx1"/>
-              </a:solidFill>
-              <a:effectLst/>
-            </a:endParaRPr>
-          </a:p>
-        </p:txBody>
-      </p:sp>
-      <p:pic>
-        <p:nvPicPr>
-          <p:cNvPr id="5148" name="Picture 3" descr="Home"/>
-          <p:cNvPicPr>
-            <a:picLocks noChangeAspect="1" noChangeArrowheads="1"/>
-          </p:cNvPicPr>
-          <p:nvPr/>
-        </p:nvPicPr>
-        <p:blipFill>
-          <a:blip r:embed="rId2"/>
-          <a:srcRect/>
-          <a:stretch>
-            <a:fillRect/>
-          </a:stretch>
-        </p:blipFill>
-        <p:spPr bwMode="auto">
-          <a:xfrm>
-            <a:off x="404086" y="2133600"/>
-            <a:ext cx="8282713" cy="4572000"/>
-          </a:xfrm>
-          <a:prstGeom prst="rect">
-            <a:avLst/>
-          </a:prstGeom>
-          <a:noFill/>
-        </p:spPr>
-      </p:pic>
-      <p:sp>
-        <p:nvSpPr>
-          <p:cNvPr id="5150" name="Rectangle 30"/>
-          <p:cNvSpPr>
-            <a:spLocks noChangeArrowheads="1"/>
-          </p:cNvSpPr>
-          <p:nvPr/>
-        </p:nvSpPr>
-        <p:spPr bwMode="auto">
-          <a:xfrm>
-            <a:off x="0" y="3829050"/>
-            <a:ext cx="9144000" cy="0"/>
-          </a:xfrm>
-          <a:prstGeom prst="rect">
-            <a:avLst/>
-          </a:prstGeom>
-          <a:noFill/>
-          <a:ln w="9525">
-            <a:noFill/>
-            <a:miter lim="800000"/>
-            <a:headEnd/>
-            <a:tailEnd/>
-          </a:ln>
-          <a:effectLst/>
-        </p:spPr>
-        <p:txBody>
-          <a:bodyPr vert="horz" wrap="none" lIns="91440" tIns="45720" rIns="91440" bIns="45720" numCol="1" anchor="ctr" anchorCtr="0" compatLnSpc="1">
-            <a:prstTxWarp prst="textNoShape">
-              <a:avLst/>
-            </a:prstTxWarp>
-            <a:spAutoFit/>
-          </a:bodyPr>
-          <a:lstStyle/>
-          <a:p>
-            <a:pPr marL="0" marR="0" lvl="0" indent="0" algn="l" defTabSz="914400" rtl="0" eaLnBrk="1" fontAlgn="base" latinLnBrk="0" hangingPunct="1">
-              <a:lnSpc>
-                <a:spcPct val="100000"/>
-              </a:lnSpc>
-              <a:spcBef>
-                <a:spcPct val="0"/>
-              </a:spcBef>
-              <a:spcAft>
-                <a:spcPct val="0"/>
-              </a:spcAft>
-              <a:buClrTx/>
-              <a:buSzTx/>
-              <a:buFontTx/>
-              <a:buNone/>
-              <a:tabLst/>
-            </a:pPr>
-            <a:endParaRPr kumimoji="0" lang="en-US" sz="1800" b="0" i="0" u="none" strike="noStrike" cap="none" normalizeH="0" baseline="0" smtClean="0">
-              <a:ln>
-                <a:noFill/>
-              </a:ln>
-              <a:solidFill>
-                <a:schemeClr val="tx1"/>
-              </a:solidFill>
-              <a:effectLst/>
-              <a:latin typeface="Arial" pitchFamily="34" charset="0"/>
+              <a:t>Thank Q</a:t>
+            </a:r>
+            <a:endParaRPr lang="en-US" sz="2000" dirty="0">
+              <a:latin typeface="Freestyle Script" pitchFamily="66" charset="0"/>
             </a:endParaRPr>
           </a:p>
         </p:txBody>
@@ -6746,247 +6090,13 @@
   <p:clrMapOvr>
     <a:masterClrMapping/>
   </p:clrMapOvr>
-</p:sld>
-</file>
-
-<file path=ppt/slides/slide19.xml><?xml version="1.0" encoding="utf-8"?>
-<p:sld xmlns:a="http://schemas.openxmlformats.org/drawingml/2006/main" xmlns:r="http://schemas.openxmlformats.org/officeDocument/2006/relationships" xmlns:p="http://schemas.openxmlformats.org/presentationml/2006/main">
-  <p:cSld>
-    <p:spTree>
-      <p:nvGrpSpPr>
-        <p:cNvPr id="1" name=""/>
-        <p:cNvGrpSpPr/>
-        <p:nvPr/>
-      </p:nvGrpSpPr>
-      <p:grpSpPr>
-        <a:xfrm>
-          <a:off x="0" y="0"/>
-          <a:ext cx="0" cy="0"/>
-          <a:chOff x="0" y="0"/>
-          <a:chExt cx="0" cy="0"/>
-        </a:xfrm>
-      </p:grpSpPr>
-      <p:sp>
-        <p:nvSpPr>
-          <p:cNvPr id="12290" name="Rectangle 2"/>
-          <p:cNvSpPr>
-            <a:spLocks noChangeArrowheads="1"/>
-          </p:cNvSpPr>
-          <p:nvPr/>
-        </p:nvSpPr>
-        <p:spPr bwMode="auto">
-          <a:xfrm>
-            <a:off x="0" y="914400"/>
-            <a:ext cx="3733800" cy="1631216"/>
-          </a:xfrm>
-          <a:prstGeom prst="rect">
-            <a:avLst/>
-          </a:prstGeom>
-          <a:noFill/>
-          <a:ln w="9525">
-            <a:noFill/>
-            <a:miter lim="800000"/>
-            <a:headEnd/>
-            <a:tailEnd/>
-          </a:ln>
-          <a:effectLst/>
-        </p:spPr>
-        <p:txBody>
-          <a:bodyPr vert="horz" wrap="square" lIns="91440" tIns="45720" rIns="91440" bIns="45720" numCol="1" anchor="ctr" anchorCtr="0" compatLnSpc="1">
-            <a:prstTxWarp prst="textNoShape">
-              <a:avLst/>
-            </a:prstTxWarp>
-            <a:spAutoFit/>
-          </a:bodyPr>
-          <a:lstStyle/>
-          <a:p>
-            <a:pPr marL="0" marR="0" lvl="0" indent="0" algn="l" defTabSz="914400" rtl="0" eaLnBrk="1" fontAlgn="base" latinLnBrk="0" hangingPunct="1">
-              <a:lnSpc>
-                <a:spcPct val="100000"/>
-              </a:lnSpc>
-              <a:spcBef>
-                <a:spcPct val="0"/>
-              </a:spcBef>
-              <a:spcAft>
-                <a:spcPct val="0"/>
-              </a:spcAft>
-              <a:buClrTx/>
-              <a:buSzTx/>
-              <a:buFontTx/>
-              <a:buNone/>
-              <a:tabLst/>
-            </a:pPr>
-            <a:r>
-              <a:rPr kumimoji="0" lang="en-US" sz="4000" b="1" i="0" u="none" strike="noStrike" cap="none" normalizeH="0" baseline="0" dirty="0" smtClean="0">
-                <a:ln>
-                  <a:noFill/>
-                </a:ln>
-                <a:effectLst/>
-                <a:ea typeface="Times New Roman" pitchFamily="18" charset="0"/>
-                <a:cs typeface="Times New Roman" pitchFamily="18" charset="0"/>
-              </a:rPr>
-              <a:t>  </a:t>
-            </a:r>
-            <a:r>
-              <a:rPr kumimoji="0" lang="en-US" sz="2400" b="1" i="0" u="none" strike="noStrike" cap="none" normalizeH="0" baseline="0" dirty="0" smtClean="0">
-                <a:ln>
-                  <a:noFill/>
-                </a:ln>
-                <a:effectLst/>
-                <a:ea typeface="Times New Roman" pitchFamily="18" charset="0"/>
-                <a:cs typeface="Times New Roman" pitchFamily="18" charset="0"/>
-              </a:rPr>
-              <a:t>Registration</a:t>
-            </a:r>
-            <a:r>
-              <a:rPr kumimoji="0" lang="en-US" sz="4000" b="1" i="0" u="none" strike="noStrike" cap="none" normalizeH="0" baseline="0" dirty="0" smtClean="0">
-                <a:ln>
-                  <a:noFill/>
-                </a:ln>
-                <a:effectLst/>
-                <a:ea typeface="Times New Roman" pitchFamily="18" charset="0"/>
-                <a:cs typeface="Times New Roman" pitchFamily="18" charset="0"/>
-              </a:rPr>
-              <a:t> </a:t>
-            </a:r>
-            <a:r>
-              <a:rPr kumimoji="0" lang="en-US" sz="2400" b="1" i="0" u="none" strike="noStrike" cap="none" normalizeH="0" baseline="0" dirty="0" smtClean="0">
-                <a:ln>
-                  <a:noFill/>
-                </a:ln>
-                <a:effectLst/>
-                <a:ea typeface="Times New Roman" pitchFamily="18" charset="0"/>
-                <a:cs typeface="Times New Roman" pitchFamily="18" charset="0"/>
-              </a:rPr>
-              <a:t>Form</a:t>
-            </a:r>
-            <a:endParaRPr kumimoji="0" lang="en-US" sz="2400" b="0" i="0" u="none" strike="noStrike" cap="none" normalizeH="0" baseline="0" dirty="0" smtClean="0">
-              <a:ln>
-                <a:noFill/>
-              </a:ln>
-              <a:effectLst/>
-            </a:endParaRPr>
-          </a:p>
-          <a:p>
-            <a:pPr marL="0" marR="0" lvl="0" indent="0" algn="l" defTabSz="914400" rtl="0" eaLnBrk="0" fontAlgn="base" latinLnBrk="0" hangingPunct="0">
-              <a:lnSpc>
-                <a:spcPct val="100000"/>
-              </a:lnSpc>
-              <a:spcBef>
-                <a:spcPct val="0"/>
-              </a:spcBef>
-              <a:spcAft>
-                <a:spcPct val="0"/>
-              </a:spcAft>
-              <a:buClrTx/>
-              <a:buSzTx/>
-              <a:buFontTx/>
-              <a:buNone/>
-              <a:tabLst/>
-            </a:pPr>
-            <a:endParaRPr kumimoji="0" lang="en-US" sz="6000" b="0" i="0" u="none" strike="noStrike" cap="none" normalizeH="0" baseline="0" dirty="0" smtClean="0">
-              <a:ln>
-                <a:noFill/>
-              </a:ln>
-              <a:effectLst/>
-            </a:endParaRPr>
-          </a:p>
-        </p:txBody>
-      </p:sp>
-      <p:pic>
-        <p:nvPicPr>
-          <p:cNvPr id="12289" name="Picture 4" descr="Registration"/>
-          <p:cNvPicPr>
-            <a:picLocks noChangeAspect="1" noChangeArrowheads="1"/>
-          </p:cNvPicPr>
-          <p:nvPr/>
-        </p:nvPicPr>
-        <p:blipFill>
-          <a:blip r:embed="rId2"/>
-          <a:srcRect/>
-          <a:stretch>
-            <a:fillRect/>
-          </a:stretch>
-        </p:blipFill>
-        <p:spPr bwMode="auto">
-          <a:xfrm>
-            <a:off x="381000" y="1676400"/>
-            <a:ext cx="8382000" cy="4800600"/>
-          </a:xfrm>
-          <a:prstGeom prst="rect">
-            <a:avLst/>
-          </a:prstGeom>
-          <a:noFill/>
-        </p:spPr>
-      </p:pic>
-      <p:sp>
-        <p:nvSpPr>
-          <p:cNvPr id="12291" name="Rectangle 3"/>
-          <p:cNvSpPr>
-            <a:spLocks noChangeArrowheads="1"/>
-          </p:cNvSpPr>
-          <p:nvPr/>
-        </p:nvSpPr>
-        <p:spPr bwMode="auto">
-          <a:xfrm>
-            <a:off x="0" y="3829050"/>
-            <a:ext cx="9144000" cy="0"/>
-          </a:xfrm>
-          <a:prstGeom prst="rect">
-            <a:avLst/>
-          </a:prstGeom>
-          <a:noFill/>
-          <a:ln w="9525">
-            <a:noFill/>
-            <a:miter lim="800000"/>
-            <a:headEnd/>
-            <a:tailEnd/>
-          </a:ln>
-          <a:effectLst/>
-        </p:spPr>
-        <p:txBody>
-          <a:bodyPr vert="horz" wrap="none" lIns="91440" tIns="45720" rIns="91440" bIns="45720" numCol="1" anchor="ctr" anchorCtr="0" compatLnSpc="1">
-            <a:prstTxWarp prst="textNoShape">
-              <a:avLst/>
-            </a:prstTxWarp>
-            <a:spAutoFit/>
-          </a:bodyPr>
-          <a:lstStyle/>
-          <a:p>
-            <a:pPr marL="0" marR="0" lvl="0" indent="0" algn="l" defTabSz="914400" rtl="0" eaLnBrk="1" fontAlgn="base" latinLnBrk="0" hangingPunct="1">
-              <a:lnSpc>
-                <a:spcPct val="100000"/>
-              </a:lnSpc>
-              <a:spcBef>
-                <a:spcPct val="0"/>
-              </a:spcBef>
-              <a:spcAft>
-                <a:spcPct val="0"/>
-              </a:spcAft>
-              <a:buClrTx/>
-              <a:buSzTx/>
-              <a:buFontTx/>
-              <a:buNone/>
-              <a:tabLst/>
-            </a:pPr>
-            <a:endParaRPr kumimoji="0" lang="en-US" sz="1800" b="0" i="0" u="none" strike="noStrike" cap="none" normalizeH="0" baseline="0" smtClean="0">
-              <a:ln>
-                <a:noFill/>
-              </a:ln>
-              <a:solidFill>
-                <a:schemeClr val="tx1"/>
-              </a:solidFill>
-              <a:effectLst/>
-              <a:latin typeface="Arial" pitchFamily="34" charset="0"/>
-            </a:endParaRPr>
-          </a:p>
-        </p:txBody>
-      </p:sp>
-    </p:spTree>
-  </p:cSld>
-  <p:clrMapOvr>
-    <a:masterClrMapping/>
-  </p:clrMapOvr>
+  <p:timing>
+    <p:tnLst>
+      <p:par>
+        <p:cTn id="1" dur="indefinite" restart="never" nodeType="tmRoot"/>
+      </p:par>
+    </p:tnLst>
+  </p:timing>
 </p:sld>
 </file>
 
@@ -7325,2209 +6435,6 @@
 </p:sld>
 </file>
 
-<file path=ppt/slides/slide20.xml><?xml version="1.0" encoding="utf-8"?>
-<p:sld xmlns:a="http://schemas.openxmlformats.org/drawingml/2006/main" xmlns:r="http://schemas.openxmlformats.org/officeDocument/2006/relationships" xmlns:p="http://schemas.openxmlformats.org/presentationml/2006/main">
-  <p:cSld>
-    <p:spTree>
-      <p:nvGrpSpPr>
-        <p:cNvPr id="1" name=""/>
-        <p:cNvGrpSpPr/>
-        <p:nvPr/>
-      </p:nvGrpSpPr>
-      <p:grpSpPr>
-        <a:xfrm>
-          <a:off x="0" y="0"/>
-          <a:ext cx="0" cy="0"/>
-          <a:chOff x="0" y="0"/>
-          <a:chExt cx="0" cy="0"/>
-        </a:xfrm>
-      </p:grpSpPr>
-      <p:sp>
-        <p:nvSpPr>
-          <p:cNvPr id="11266" name="Rectangle 2"/>
-          <p:cNvSpPr>
-            <a:spLocks noChangeArrowheads="1"/>
-          </p:cNvSpPr>
-          <p:nvPr/>
-        </p:nvSpPr>
-        <p:spPr bwMode="auto">
-          <a:xfrm>
-            <a:off x="228600" y="1066800"/>
-            <a:ext cx="2133600" cy="738664"/>
-          </a:xfrm>
-          <a:prstGeom prst="rect">
-            <a:avLst/>
-          </a:prstGeom>
-          <a:noFill/>
-          <a:ln w="9525">
-            <a:noFill/>
-            <a:miter lim="800000"/>
-            <a:headEnd/>
-            <a:tailEnd/>
-          </a:ln>
-          <a:effectLst/>
-        </p:spPr>
-        <p:txBody>
-          <a:bodyPr vert="horz" wrap="square" lIns="91440" tIns="45720" rIns="91440" bIns="45720" numCol="1" anchor="ctr" anchorCtr="0" compatLnSpc="1">
-            <a:prstTxWarp prst="textNoShape">
-              <a:avLst/>
-            </a:prstTxWarp>
-            <a:spAutoFit/>
-          </a:bodyPr>
-          <a:lstStyle/>
-          <a:p>
-            <a:pPr marL="0" marR="0" lvl="0" indent="0" algn="l" defTabSz="914400" rtl="0" eaLnBrk="1" fontAlgn="base" latinLnBrk="0" hangingPunct="1">
-              <a:lnSpc>
-                <a:spcPct val="100000"/>
-              </a:lnSpc>
-              <a:spcBef>
-                <a:spcPct val="0"/>
-              </a:spcBef>
-              <a:spcAft>
-                <a:spcPct val="0"/>
-              </a:spcAft>
-              <a:buClrTx/>
-              <a:buSzTx/>
-              <a:buFontTx/>
-              <a:buNone/>
-              <a:tabLst/>
-            </a:pPr>
-            <a:r>
-              <a:rPr kumimoji="0" lang="en-US" sz="2400" b="1" i="0" u="none" strike="noStrike" cap="none" normalizeH="0" baseline="0" dirty="0" smtClean="0">
-                <a:ln>
-                  <a:noFill/>
-                </a:ln>
-                <a:solidFill>
-                  <a:schemeClr val="tx1"/>
-                </a:solidFill>
-                <a:effectLst/>
-                <a:latin typeface="Times New Roman" pitchFamily="18" charset="0"/>
-                <a:ea typeface="Times New Roman" pitchFamily="18" charset="0"/>
-                <a:cs typeface="Times New Roman" pitchFamily="18" charset="0"/>
-              </a:rPr>
-              <a:t>Admin</a:t>
-            </a:r>
-            <a:r>
-              <a:rPr kumimoji="0" lang="en-US" sz="1100" b="1" i="0" u="none" strike="noStrike" cap="none" normalizeH="0" baseline="0" dirty="0" smtClean="0">
-                <a:ln>
-                  <a:noFill/>
-                </a:ln>
-                <a:solidFill>
-                  <a:schemeClr val="tx1"/>
-                </a:solidFill>
-                <a:effectLst/>
-                <a:latin typeface="Times New Roman" pitchFamily="18" charset="0"/>
-                <a:ea typeface="Times New Roman" pitchFamily="18" charset="0"/>
-                <a:cs typeface="Times New Roman" pitchFamily="18" charset="0"/>
-              </a:rPr>
-              <a:t> </a:t>
-            </a:r>
-            <a:r>
-              <a:rPr kumimoji="0" lang="en-US" sz="2400" b="1" i="0" u="none" strike="noStrike" cap="none" normalizeH="0" baseline="0" dirty="0" smtClean="0">
-                <a:ln>
-                  <a:noFill/>
-                </a:ln>
-                <a:solidFill>
-                  <a:schemeClr val="tx1"/>
-                </a:solidFill>
-                <a:effectLst/>
-                <a:ea typeface="Times New Roman" pitchFamily="18" charset="0"/>
-                <a:cs typeface="Times New Roman" pitchFamily="18" charset="0"/>
-              </a:rPr>
-              <a:t>home</a:t>
-            </a:r>
-            <a:endParaRPr kumimoji="0" lang="en-US" sz="2400" b="0" i="0" u="none" strike="noStrike" cap="none" normalizeH="0" baseline="0" dirty="0" smtClean="0">
-              <a:ln>
-                <a:noFill/>
-              </a:ln>
-              <a:solidFill>
-                <a:schemeClr val="tx1"/>
-              </a:solidFill>
-              <a:effectLst/>
-            </a:endParaRPr>
-          </a:p>
-          <a:p>
-            <a:pPr marL="0" marR="0" lvl="0" indent="0" algn="l" defTabSz="914400" rtl="0" eaLnBrk="0" fontAlgn="base" latinLnBrk="0" hangingPunct="0">
-              <a:lnSpc>
-                <a:spcPct val="100000"/>
-              </a:lnSpc>
-              <a:spcBef>
-                <a:spcPct val="0"/>
-              </a:spcBef>
-              <a:spcAft>
-                <a:spcPct val="0"/>
-              </a:spcAft>
-              <a:buClrTx/>
-              <a:buSzTx/>
-              <a:buFontTx/>
-              <a:buNone/>
-              <a:tabLst/>
-            </a:pPr>
-            <a:endParaRPr kumimoji="0" lang="en-US" sz="1800" b="0" i="0" u="none" strike="noStrike" cap="none" normalizeH="0" baseline="0" dirty="0" smtClean="0">
-              <a:ln>
-                <a:noFill/>
-              </a:ln>
-              <a:solidFill>
-                <a:schemeClr val="tx1"/>
-              </a:solidFill>
-              <a:effectLst/>
-              <a:latin typeface="Arial" pitchFamily="34" charset="0"/>
-            </a:endParaRPr>
-          </a:p>
-        </p:txBody>
-      </p:sp>
-      <p:pic>
-        <p:nvPicPr>
-          <p:cNvPr id="11265" name="Picture 4" descr="admin home"/>
-          <p:cNvPicPr>
-            <a:picLocks noChangeAspect="1" noChangeArrowheads="1"/>
-          </p:cNvPicPr>
-          <p:nvPr/>
-        </p:nvPicPr>
-        <p:blipFill>
-          <a:blip r:embed="rId2"/>
-          <a:srcRect/>
-          <a:stretch>
-            <a:fillRect/>
-          </a:stretch>
-        </p:blipFill>
-        <p:spPr bwMode="auto">
-          <a:xfrm>
-            <a:off x="381000" y="1600200"/>
-            <a:ext cx="8458200" cy="4876800"/>
-          </a:xfrm>
-          <a:prstGeom prst="rect">
-            <a:avLst/>
-          </a:prstGeom>
-          <a:noFill/>
-        </p:spPr>
-      </p:pic>
-      <p:sp>
-        <p:nvSpPr>
-          <p:cNvPr id="11267" name="Rectangle 3"/>
-          <p:cNvSpPr>
-            <a:spLocks noChangeArrowheads="1"/>
-          </p:cNvSpPr>
-          <p:nvPr/>
-        </p:nvSpPr>
-        <p:spPr bwMode="auto">
-          <a:xfrm>
-            <a:off x="0" y="3829050"/>
-            <a:ext cx="9144000" cy="457200"/>
-          </a:xfrm>
-          <a:prstGeom prst="rect">
-            <a:avLst/>
-          </a:prstGeom>
-          <a:noFill/>
-          <a:ln w="9525">
-            <a:noFill/>
-            <a:miter lim="800000"/>
-            <a:headEnd/>
-            <a:tailEnd/>
-          </a:ln>
-          <a:effectLst/>
-        </p:spPr>
-        <p:txBody>
-          <a:bodyPr vert="horz" wrap="none" lIns="91440" tIns="45720" rIns="91440" bIns="45720" numCol="1" anchor="ctr" anchorCtr="0" compatLnSpc="1">
-            <a:prstTxWarp prst="textNoShape">
-              <a:avLst/>
-            </a:prstTxWarp>
-            <a:spAutoFit/>
-          </a:bodyPr>
-          <a:lstStyle/>
-          <a:p>
-            <a:pPr marL="0" marR="0" lvl="0" indent="0" algn="l" defTabSz="914400" rtl="0" eaLnBrk="1" fontAlgn="base" latinLnBrk="0" hangingPunct="1">
-              <a:lnSpc>
-                <a:spcPct val="100000"/>
-              </a:lnSpc>
-              <a:spcBef>
-                <a:spcPct val="0"/>
-              </a:spcBef>
-              <a:spcAft>
-                <a:spcPct val="0"/>
-              </a:spcAft>
-              <a:buClrTx/>
-              <a:buSzTx/>
-              <a:buFontTx/>
-              <a:buNone/>
-              <a:tabLst/>
-            </a:pPr>
-            <a:endParaRPr kumimoji="0" lang="en-US" sz="1800" b="0" i="0" u="none" strike="noStrike" cap="none" normalizeH="0" baseline="0" smtClean="0">
-              <a:ln>
-                <a:noFill/>
-              </a:ln>
-              <a:solidFill>
-                <a:schemeClr val="tx1"/>
-              </a:solidFill>
-              <a:effectLst/>
-              <a:latin typeface="Arial" pitchFamily="34" charset="0"/>
-            </a:endParaRPr>
-          </a:p>
-        </p:txBody>
-      </p:sp>
-    </p:spTree>
-  </p:cSld>
-  <p:clrMapOvr>
-    <a:masterClrMapping/>
-  </p:clrMapOvr>
-</p:sld>
-</file>
-
-<file path=ppt/slides/slide21.xml><?xml version="1.0" encoding="utf-8"?>
-<p:sld xmlns:a="http://schemas.openxmlformats.org/drawingml/2006/main" xmlns:r="http://schemas.openxmlformats.org/officeDocument/2006/relationships" xmlns:p="http://schemas.openxmlformats.org/presentationml/2006/main">
-  <p:cSld>
-    <p:spTree>
-      <p:nvGrpSpPr>
-        <p:cNvPr id="1" name=""/>
-        <p:cNvGrpSpPr/>
-        <p:nvPr/>
-      </p:nvGrpSpPr>
-      <p:grpSpPr>
-        <a:xfrm>
-          <a:off x="0" y="0"/>
-          <a:ext cx="0" cy="0"/>
-          <a:chOff x="0" y="0"/>
-          <a:chExt cx="0" cy="0"/>
-        </a:xfrm>
-      </p:grpSpPr>
-      <p:sp>
-        <p:nvSpPr>
-          <p:cNvPr id="10242" name="Rectangle 2"/>
-          <p:cNvSpPr>
-            <a:spLocks noChangeArrowheads="1"/>
-          </p:cNvSpPr>
-          <p:nvPr/>
-        </p:nvSpPr>
-        <p:spPr bwMode="auto">
-          <a:xfrm>
-            <a:off x="192196" y="1074003"/>
-            <a:ext cx="2017604" cy="830997"/>
-          </a:xfrm>
-          <a:prstGeom prst="rect">
-            <a:avLst/>
-          </a:prstGeom>
-          <a:noFill/>
-          <a:ln w="9525">
-            <a:noFill/>
-            <a:miter lim="800000"/>
-            <a:headEnd/>
-            <a:tailEnd/>
-          </a:ln>
-          <a:effectLst/>
-        </p:spPr>
-        <p:txBody>
-          <a:bodyPr vert="horz" wrap="none" lIns="91440" tIns="45720" rIns="91440" bIns="45720" numCol="1" anchor="ctr" anchorCtr="0" compatLnSpc="1">
-            <a:prstTxWarp prst="textNoShape">
-              <a:avLst/>
-            </a:prstTxWarp>
-            <a:spAutoFit/>
-          </a:bodyPr>
-          <a:lstStyle/>
-          <a:p>
-            <a:pPr marL="0" marR="0" lvl="0" indent="0" algn="l" defTabSz="914400" rtl="0" eaLnBrk="1" fontAlgn="base" latinLnBrk="0" hangingPunct="1">
-              <a:lnSpc>
-                <a:spcPct val="100000"/>
-              </a:lnSpc>
-              <a:spcBef>
-                <a:spcPct val="0"/>
-              </a:spcBef>
-              <a:spcAft>
-                <a:spcPct val="0"/>
-              </a:spcAft>
-              <a:buClrTx/>
-              <a:buSzTx/>
-              <a:buFontTx/>
-              <a:buNone/>
-              <a:tabLst/>
-            </a:pPr>
-            <a:r>
-              <a:rPr kumimoji="0" lang="en-US" sz="2400" b="1" i="0" u="none" strike="noStrike" cap="none" normalizeH="0" baseline="0" dirty="0" smtClean="0">
-                <a:ln>
-                  <a:noFill/>
-                </a:ln>
-                <a:solidFill>
-                  <a:schemeClr val="tx1"/>
-                </a:solidFill>
-                <a:effectLst/>
-                <a:ea typeface="Times New Roman" pitchFamily="18" charset="0"/>
-                <a:cs typeface="Times New Roman" pitchFamily="18" charset="0"/>
-              </a:rPr>
-              <a:t>Tester Home</a:t>
-            </a:r>
-            <a:endParaRPr kumimoji="0" lang="en-US" sz="2400" b="0" i="0" u="none" strike="noStrike" cap="none" normalizeH="0" baseline="0" dirty="0" smtClean="0">
-              <a:ln>
-                <a:noFill/>
-              </a:ln>
-              <a:solidFill>
-                <a:schemeClr val="tx1"/>
-              </a:solidFill>
-              <a:effectLst/>
-            </a:endParaRPr>
-          </a:p>
-          <a:p>
-            <a:pPr marL="0" marR="0" lvl="0" indent="0" algn="l" defTabSz="914400" rtl="0" eaLnBrk="0" fontAlgn="base" latinLnBrk="0" hangingPunct="0">
-              <a:lnSpc>
-                <a:spcPct val="100000"/>
-              </a:lnSpc>
-              <a:spcBef>
-                <a:spcPct val="0"/>
-              </a:spcBef>
-              <a:spcAft>
-                <a:spcPct val="0"/>
-              </a:spcAft>
-              <a:buClrTx/>
-              <a:buSzTx/>
-              <a:buFontTx/>
-              <a:buNone/>
-              <a:tabLst/>
-            </a:pPr>
-            <a:endParaRPr kumimoji="0" lang="en-US" sz="2400" b="0" i="0" u="none" strike="noStrike" cap="none" normalizeH="0" baseline="0" dirty="0" smtClean="0">
-              <a:ln>
-                <a:noFill/>
-              </a:ln>
-              <a:solidFill>
-                <a:schemeClr val="tx1"/>
-              </a:solidFill>
-              <a:effectLst/>
-            </a:endParaRPr>
-          </a:p>
-        </p:txBody>
-      </p:sp>
-      <p:pic>
-        <p:nvPicPr>
-          <p:cNvPr id="10241" name="Picture 2" descr="tester home"/>
-          <p:cNvPicPr>
-            <a:picLocks noChangeAspect="1" noChangeArrowheads="1"/>
-          </p:cNvPicPr>
-          <p:nvPr/>
-        </p:nvPicPr>
-        <p:blipFill>
-          <a:blip r:embed="rId2"/>
-          <a:srcRect/>
-          <a:stretch>
-            <a:fillRect/>
-          </a:stretch>
-        </p:blipFill>
-        <p:spPr bwMode="auto">
-          <a:xfrm>
-            <a:off x="381000" y="1600200"/>
-            <a:ext cx="8382000" cy="4800600"/>
-          </a:xfrm>
-          <a:prstGeom prst="rect">
-            <a:avLst/>
-          </a:prstGeom>
-          <a:noFill/>
-        </p:spPr>
-      </p:pic>
-      <p:sp>
-        <p:nvSpPr>
-          <p:cNvPr id="10243" name="Rectangle 3"/>
-          <p:cNvSpPr>
-            <a:spLocks noChangeArrowheads="1"/>
-          </p:cNvSpPr>
-          <p:nvPr/>
-        </p:nvSpPr>
-        <p:spPr bwMode="auto">
-          <a:xfrm>
-            <a:off x="0" y="3829050"/>
-            <a:ext cx="9144000" cy="457200"/>
-          </a:xfrm>
-          <a:prstGeom prst="rect">
-            <a:avLst/>
-          </a:prstGeom>
-          <a:noFill/>
-          <a:ln w="9525">
-            <a:noFill/>
-            <a:miter lim="800000"/>
-            <a:headEnd/>
-            <a:tailEnd/>
-          </a:ln>
-          <a:effectLst/>
-        </p:spPr>
-        <p:txBody>
-          <a:bodyPr vert="horz" wrap="none" lIns="91440" tIns="45720" rIns="91440" bIns="45720" numCol="1" anchor="ctr" anchorCtr="0" compatLnSpc="1">
-            <a:prstTxWarp prst="textNoShape">
-              <a:avLst/>
-            </a:prstTxWarp>
-            <a:spAutoFit/>
-          </a:bodyPr>
-          <a:lstStyle/>
-          <a:p>
-            <a:pPr marL="0" marR="0" lvl="0" indent="0" algn="l" defTabSz="914400" rtl="0" eaLnBrk="1" fontAlgn="base" latinLnBrk="0" hangingPunct="1">
-              <a:lnSpc>
-                <a:spcPct val="100000"/>
-              </a:lnSpc>
-              <a:spcBef>
-                <a:spcPct val="0"/>
-              </a:spcBef>
-              <a:spcAft>
-                <a:spcPct val="0"/>
-              </a:spcAft>
-              <a:buClrTx/>
-              <a:buSzTx/>
-              <a:buFontTx/>
-              <a:buNone/>
-              <a:tabLst>
-                <a:tab pos="0" algn="l"/>
-              </a:tabLst>
-            </a:pPr>
-            <a:endParaRPr kumimoji="0" lang="en-US" sz="1800" b="0" i="0" u="none" strike="noStrike" cap="none" normalizeH="0" baseline="0" smtClean="0">
-              <a:ln>
-                <a:noFill/>
-              </a:ln>
-              <a:solidFill>
-                <a:schemeClr val="tx1"/>
-              </a:solidFill>
-              <a:effectLst/>
-              <a:latin typeface="Arial" pitchFamily="34" charset="0"/>
-            </a:endParaRPr>
-          </a:p>
-        </p:txBody>
-      </p:sp>
-    </p:spTree>
-  </p:cSld>
-  <p:clrMapOvr>
-    <a:masterClrMapping/>
-  </p:clrMapOvr>
-</p:sld>
-</file>
-
-<file path=ppt/slides/slide22.xml><?xml version="1.0" encoding="utf-8"?>
-<p:sld xmlns:a="http://schemas.openxmlformats.org/drawingml/2006/main" xmlns:r="http://schemas.openxmlformats.org/officeDocument/2006/relationships" xmlns:p="http://schemas.openxmlformats.org/presentationml/2006/main">
-  <p:cSld>
-    <p:spTree>
-      <p:nvGrpSpPr>
-        <p:cNvPr id="1" name=""/>
-        <p:cNvGrpSpPr/>
-        <p:nvPr/>
-      </p:nvGrpSpPr>
-      <p:grpSpPr>
-        <a:xfrm>
-          <a:off x="0" y="0"/>
-          <a:ext cx="0" cy="0"/>
-          <a:chOff x="0" y="0"/>
-          <a:chExt cx="0" cy="0"/>
-        </a:xfrm>
-      </p:grpSpPr>
-      <p:sp>
-        <p:nvSpPr>
-          <p:cNvPr id="9218" name="Rectangle 2"/>
-          <p:cNvSpPr>
-            <a:spLocks noChangeArrowheads="1"/>
-          </p:cNvSpPr>
-          <p:nvPr/>
-        </p:nvSpPr>
-        <p:spPr bwMode="auto">
-          <a:xfrm>
-            <a:off x="165507" y="1066800"/>
-            <a:ext cx="2577693" cy="830997"/>
-          </a:xfrm>
-          <a:prstGeom prst="rect">
-            <a:avLst/>
-          </a:prstGeom>
-          <a:noFill/>
-          <a:ln w="9525">
-            <a:noFill/>
-            <a:miter lim="800000"/>
-            <a:headEnd/>
-            <a:tailEnd/>
-          </a:ln>
-          <a:effectLst/>
-        </p:spPr>
-        <p:txBody>
-          <a:bodyPr vert="horz" wrap="none" lIns="91440" tIns="45720" rIns="91440" bIns="45720" numCol="1" anchor="ctr" anchorCtr="0" compatLnSpc="1">
-            <a:prstTxWarp prst="textNoShape">
-              <a:avLst/>
-            </a:prstTxWarp>
-            <a:spAutoFit/>
-          </a:bodyPr>
-          <a:lstStyle/>
-          <a:p>
-            <a:pPr marL="0" marR="0" lvl="0" indent="0" algn="l" defTabSz="914400" rtl="0" eaLnBrk="1" fontAlgn="base" latinLnBrk="0" hangingPunct="1">
-              <a:lnSpc>
-                <a:spcPct val="100000"/>
-              </a:lnSpc>
-              <a:spcBef>
-                <a:spcPct val="0"/>
-              </a:spcBef>
-              <a:spcAft>
-                <a:spcPct val="0"/>
-              </a:spcAft>
-              <a:buClrTx/>
-              <a:buSzTx/>
-              <a:buFontTx/>
-              <a:buNone/>
-              <a:tabLst/>
-            </a:pPr>
-            <a:r>
-              <a:rPr kumimoji="0" lang="en-US" sz="2400" b="1" i="0" u="none" strike="noStrike" cap="none" normalizeH="0" baseline="0" dirty="0" smtClean="0">
-                <a:ln>
-                  <a:noFill/>
-                </a:ln>
-                <a:solidFill>
-                  <a:schemeClr val="tx1"/>
-                </a:solidFill>
-                <a:effectLst/>
-                <a:ea typeface="Times New Roman" pitchFamily="18" charset="0"/>
-                <a:cs typeface="Times New Roman" pitchFamily="18" charset="0"/>
-              </a:rPr>
-              <a:t>Developer home</a:t>
-            </a:r>
-            <a:endParaRPr kumimoji="0" lang="en-US" sz="2400" b="1" i="0" u="none" strike="noStrike" cap="none" normalizeH="0" baseline="0" dirty="0" smtClean="0">
-              <a:ln>
-                <a:noFill/>
-              </a:ln>
-              <a:solidFill>
-                <a:schemeClr val="tx1"/>
-              </a:solidFill>
-              <a:effectLst/>
-            </a:endParaRPr>
-          </a:p>
-          <a:p>
-            <a:pPr marL="0" marR="0" lvl="0" indent="0" algn="l" defTabSz="914400" rtl="0" eaLnBrk="0" fontAlgn="base" latinLnBrk="0" hangingPunct="0">
-              <a:lnSpc>
-                <a:spcPct val="100000"/>
-              </a:lnSpc>
-              <a:spcBef>
-                <a:spcPct val="0"/>
-              </a:spcBef>
-              <a:spcAft>
-                <a:spcPct val="0"/>
-              </a:spcAft>
-              <a:buClrTx/>
-              <a:buSzTx/>
-              <a:buFontTx/>
-              <a:buNone/>
-              <a:tabLst/>
-            </a:pPr>
-            <a:endParaRPr kumimoji="0" lang="en-US" sz="2400" b="1" i="0" u="none" strike="noStrike" cap="none" normalizeH="0" baseline="0" dirty="0" smtClean="0">
-              <a:ln>
-                <a:noFill/>
-              </a:ln>
-              <a:solidFill>
-                <a:schemeClr val="tx1"/>
-              </a:solidFill>
-              <a:effectLst/>
-            </a:endParaRPr>
-          </a:p>
-        </p:txBody>
-      </p:sp>
-      <p:pic>
-        <p:nvPicPr>
-          <p:cNvPr id="9217" name="Picture 3" descr="Dev Home"/>
-          <p:cNvPicPr>
-            <a:picLocks noChangeAspect="1" noChangeArrowheads="1"/>
-          </p:cNvPicPr>
-          <p:nvPr/>
-        </p:nvPicPr>
-        <p:blipFill>
-          <a:blip r:embed="rId2"/>
-          <a:srcRect/>
-          <a:stretch>
-            <a:fillRect/>
-          </a:stretch>
-        </p:blipFill>
-        <p:spPr bwMode="auto">
-          <a:xfrm>
-            <a:off x="457200" y="1600200"/>
-            <a:ext cx="8229600" cy="4800600"/>
-          </a:xfrm>
-          <a:prstGeom prst="rect">
-            <a:avLst/>
-          </a:prstGeom>
-          <a:noFill/>
-        </p:spPr>
-      </p:pic>
-      <p:sp>
-        <p:nvSpPr>
-          <p:cNvPr id="9219" name="Rectangle 3"/>
-          <p:cNvSpPr>
-            <a:spLocks noChangeArrowheads="1"/>
-          </p:cNvSpPr>
-          <p:nvPr/>
-        </p:nvSpPr>
-        <p:spPr bwMode="auto">
-          <a:xfrm>
-            <a:off x="0" y="3829050"/>
-            <a:ext cx="9144000" cy="0"/>
-          </a:xfrm>
-          <a:prstGeom prst="rect">
-            <a:avLst/>
-          </a:prstGeom>
-          <a:noFill/>
-          <a:ln w="9525">
-            <a:noFill/>
-            <a:miter lim="800000"/>
-            <a:headEnd/>
-            <a:tailEnd/>
-          </a:ln>
-          <a:effectLst/>
-        </p:spPr>
-        <p:txBody>
-          <a:bodyPr vert="horz" wrap="none" lIns="91440" tIns="45720" rIns="91440" bIns="45720" numCol="1" anchor="ctr" anchorCtr="0" compatLnSpc="1">
-            <a:prstTxWarp prst="textNoShape">
-              <a:avLst/>
-            </a:prstTxWarp>
-            <a:spAutoFit/>
-          </a:bodyPr>
-          <a:lstStyle/>
-          <a:p>
-            <a:pPr marL="0" marR="0" lvl="0" indent="0" algn="l" defTabSz="914400" rtl="0" eaLnBrk="1" fontAlgn="base" latinLnBrk="0" hangingPunct="1">
-              <a:lnSpc>
-                <a:spcPct val="100000"/>
-              </a:lnSpc>
-              <a:spcBef>
-                <a:spcPct val="0"/>
-              </a:spcBef>
-              <a:spcAft>
-                <a:spcPct val="0"/>
-              </a:spcAft>
-              <a:buClrTx/>
-              <a:buSzTx/>
-              <a:buFontTx/>
-              <a:buNone/>
-              <a:tabLst/>
-            </a:pPr>
-            <a:endParaRPr kumimoji="0" lang="en-US" sz="1800" b="0" i="0" u="none" strike="noStrike" cap="none" normalizeH="0" baseline="0" smtClean="0">
-              <a:ln>
-                <a:noFill/>
-              </a:ln>
-              <a:solidFill>
-                <a:schemeClr val="tx1"/>
-              </a:solidFill>
-              <a:effectLst/>
-              <a:latin typeface="Arial" pitchFamily="34" charset="0"/>
-            </a:endParaRPr>
-          </a:p>
-        </p:txBody>
-      </p:sp>
-    </p:spTree>
-  </p:cSld>
-  <p:clrMapOvr>
-    <a:masterClrMapping/>
-  </p:clrMapOvr>
-</p:sld>
-</file>
-
-<file path=ppt/slides/slide23.xml><?xml version="1.0" encoding="utf-8"?>
-<p:sld xmlns:a="http://schemas.openxmlformats.org/drawingml/2006/main" xmlns:r="http://schemas.openxmlformats.org/officeDocument/2006/relationships" xmlns:p="http://schemas.openxmlformats.org/presentationml/2006/main">
-  <p:cSld>
-    <p:spTree>
-      <p:nvGrpSpPr>
-        <p:cNvPr id="1" name=""/>
-        <p:cNvGrpSpPr/>
-        <p:nvPr/>
-      </p:nvGrpSpPr>
-      <p:grpSpPr>
-        <a:xfrm>
-          <a:off x="0" y="0"/>
-          <a:ext cx="0" cy="0"/>
-          <a:chOff x="0" y="0"/>
-          <a:chExt cx="0" cy="0"/>
-        </a:xfrm>
-      </p:grpSpPr>
-      <p:sp>
-        <p:nvSpPr>
-          <p:cNvPr id="8194" name="Rectangle 2"/>
-          <p:cNvSpPr>
-            <a:spLocks noChangeArrowheads="1"/>
-          </p:cNvSpPr>
-          <p:nvPr/>
-        </p:nvSpPr>
-        <p:spPr bwMode="auto">
-          <a:xfrm>
-            <a:off x="152400" y="1066800"/>
-            <a:ext cx="3352649" cy="830997"/>
-          </a:xfrm>
-          <a:prstGeom prst="rect">
-            <a:avLst/>
-          </a:prstGeom>
-          <a:noFill/>
-          <a:ln w="9525">
-            <a:noFill/>
-            <a:miter lim="800000"/>
-            <a:headEnd/>
-            <a:tailEnd/>
-          </a:ln>
-          <a:effectLst/>
-        </p:spPr>
-        <p:txBody>
-          <a:bodyPr vert="horz" wrap="none" lIns="91440" tIns="45720" rIns="91440" bIns="45720" numCol="1" anchor="ctr" anchorCtr="0" compatLnSpc="1">
-            <a:prstTxWarp prst="textNoShape">
-              <a:avLst/>
-            </a:prstTxWarp>
-            <a:spAutoFit/>
-          </a:bodyPr>
-          <a:lstStyle/>
-          <a:p>
-            <a:pPr marL="0" marR="0" lvl="0" indent="0" algn="l" defTabSz="914400" rtl="0" eaLnBrk="1" fontAlgn="base" latinLnBrk="0" hangingPunct="1">
-              <a:lnSpc>
-                <a:spcPct val="100000"/>
-              </a:lnSpc>
-              <a:spcBef>
-                <a:spcPct val="0"/>
-              </a:spcBef>
-              <a:spcAft>
-                <a:spcPct val="0"/>
-              </a:spcAft>
-              <a:buClrTx/>
-              <a:buSzTx/>
-              <a:buFontTx/>
-              <a:buNone/>
-              <a:tabLst/>
-            </a:pPr>
-            <a:r>
-              <a:rPr kumimoji="0" lang="en-US" sz="2400" b="1" i="0" u="none" strike="noStrike" cap="none" normalizeH="0" baseline="0" dirty="0" smtClean="0">
-                <a:ln>
-                  <a:noFill/>
-                </a:ln>
-                <a:solidFill>
-                  <a:schemeClr val="tx1"/>
-                </a:solidFill>
-                <a:effectLst/>
-                <a:ea typeface="Times New Roman" pitchFamily="18" charset="0"/>
-                <a:cs typeface="Times New Roman" pitchFamily="18" charset="0"/>
-              </a:rPr>
-              <a:t>Admin view employee</a:t>
-            </a:r>
-            <a:endParaRPr kumimoji="0" lang="en-US" sz="2400" b="1" i="0" u="none" strike="noStrike" cap="none" normalizeH="0" baseline="0" dirty="0" smtClean="0">
-              <a:ln>
-                <a:noFill/>
-              </a:ln>
-              <a:solidFill>
-                <a:schemeClr val="tx1"/>
-              </a:solidFill>
-              <a:effectLst/>
-            </a:endParaRPr>
-          </a:p>
-          <a:p>
-            <a:pPr marL="0" marR="0" lvl="0" indent="0" algn="l" defTabSz="914400" rtl="0" eaLnBrk="0" fontAlgn="base" latinLnBrk="0" hangingPunct="0">
-              <a:lnSpc>
-                <a:spcPct val="100000"/>
-              </a:lnSpc>
-              <a:spcBef>
-                <a:spcPct val="0"/>
-              </a:spcBef>
-              <a:spcAft>
-                <a:spcPct val="0"/>
-              </a:spcAft>
-              <a:buClrTx/>
-              <a:buSzTx/>
-              <a:buFontTx/>
-              <a:buNone/>
-              <a:tabLst/>
-            </a:pPr>
-            <a:endParaRPr kumimoji="0" lang="en-US" sz="2400" b="1" i="0" u="none" strike="noStrike" cap="none" normalizeH="0" baseline="0" dirty="0" smtClean="0">
-              <a:ln>
-                <a:noFill/>
-              </a:ln>
-              <a:solidFill>
-                <a:schemeClr val="tx1"/>
-              </a:solidFill>
-              <a:effectLst/>
-            </a:endParaRPr>
-          </a:p>
-        </p:txBody>
-      </p:sp>
-      <p:pic>
-        <p:nvPicPr>
-          <p:cNvPr id="8193" name="Picture 5" descr="employee"/>
-          <p:cNvPicPr>
-            <a:picLocks noChangeAspect="1" noChangeArrowheads="1"/>
-          </p:cNvPicPr>
-          <p:nvPr/>
-        </p:nvPicPr>
-        <p:blipFill>
-          <a:blip r:embed="rId2"/>
-          <a:srcRect/>
-          <a:stretch>
-            <a:fillRect/>
-          </a:stretch>
-        </p:blipFill>
-        <p:spPr bwMode="auto">
-          <a:xfrm>
-            <a:off x="304800" y="1752600"/>
-            <a:ext cx="8458200" cy="4724400"/>
-          </a:xfrm>
-          <a:prstGeom prst="rect">
-            <a:avLst/>
-          </a:prstGeom>
-          <a:noFill/>
-        </p:spPr>
-      </p:pic>
-      <p:sp>
-        <p:nvSpPr>
-          <p:cNvPr id="8195" name="Rectangle 3"/>
-          <p:cNvSpPr>
-            <a:spLocks noChangeArrowheads="1"/>
-          </p:cNvSpPr>
-          <p:nvPr/>
-        </p:nvSpPr>
-        <p:spPr bwMode="auto">
-          <a:xfrm>
-            <a:off x="0" y="3829050"/>
-            <a:ext cx="9144000" cy="0"/>
-          </a:xfrm>
-          <a:prstGeom prst="rect">
-            <a:avLst/>
-          </a:prstGeom>
-          <a:noFill/>
-          <a:ln w="9525">
-            <a:noFill/>
-            <a:miter lim="800000"/>
-            <a:headEnd/>
-            <a:tailEnd/>
-          </a:ln>
-          <a:effectLst/>
-        </p:spPr>
-        <p:txBody>
-          <a:bodyPr vert="horz" wrap="none" lIns="91440" tIns="45720" rIns="91440" bIns="45720" numCol="1" anchor="ctr" anchorCtr="0" compatLnSpc="1">
-            <a:prstTxWarp prst="textNoShape">
-              <a:avLst/>
-            </a:prstTxWarp>
-            <a:spAutoFit/>
-          </a:bodyPr>
-          <a:lstStyle/>
-          <a:p>
-            <a:pPr marL="0" marR="0" lvl="0" indent="0" algn="l" defTabSz="914400" rtl="0" eaLnBrk="1" fontAlgn="base" latinLnBrk="0" hangingPunct="1">
-              <a:lnSpc>
-                <a:spcPct val="100000"/>
-              </a:lnSpc>
-              <a:spcBef>
-                <a:spcPct val="0"/>
-              </a:spcBef>
-              <a:spcAft>
-                <a:spcPct val="0"/>
-              </a:spcAft>
-              <a:buClrTx/>
-              <a:buSzTx/>
-              <a:buFontTx/>
-              <a:buNone/>
-              <a:tabLst/>
-            </a:pPr>
-            <a:endParaRPr kumimoji="0" lang="en-US" sz="1800" b="0" i="0" u="none" strike="noStrike" cap="none" normalizeH="0" baseline="0" smtClean="0">
-              <a:ln>
-                <a:noFill/>
-              </a:ln>
-              <a:solidFill>
-                <a:schemeClr val="tx1"/>
-              </a:solidFill>
-              <a:effectLst/>
-              <a:latin typeface="Arial" pitchFamily="34" charset="0"/>
-            </a:endParaRPr>
-          </a:p>
-        </p:txBody>
-      </p:sp>
-    </p:spTree>
-  </p:cSld>
-  <p:clrMapOvr>
-    <a:masterClrMapping/>
-  </p:clrMapOvr>
-</p:sld>
-</file>
-
-<file path=ppt/slides/slide24.xml><?xml version="1.0" encoding="utf-8"?>
-<p:sld xmlns:a="http://schemas.openxmlformats.org/drawingml/2006/main" xmlns:r="http://schemas.openxmlformats.org/officeDocument/2006/relationships" xmlns:p="http://schemas.openxmlformats.org/presentationml/2006/main">
-  <p:cSld>
-    <p:spTree>
-      <p:nvGrpSpPr>
-        <p:cNvPr id="1" name=""/>
-        <p:cNvGrpSpPr/>
-        <p:nvPr/>
-      </p:nvGrpSpPr>
-      <p:grpSpPr>
-        <a:xfrm>
-          <a:off x="0" y="0"/>
-          <a:ext cx="0" cy="0"/>
-          <a:chOff x="0" y="0"/>
-          <a:chExt cx="0" cy="0"/>
-        </a:xfrm>
-      </p:grpSpPr>
-      <p:sp>
-        <p:nvSpPr>
-          <p:cNvPr id="7170" name="Rectangle 2"/>
-          <p:cNvSpPr>
-            <a:spLocks noChangeArrowheads="1"/>
-          </p:cNvSpPr>
-          <p:nvPr/>
-        </p:nvSpPr>
-        <p:spPr bwMode="auto">
-          <a:xfrm>
-            <a:off x="152400" y="1066800"/>
-            <a:ext cx="2541530" cy="830997"/>
-          </a:xfrm>
-          <a:prstGeom prst="rect">
-            <a:avLst/>
-          </a:prstGeom>
-          <a:noFill/>
-          <a:ln w="9525">
-            <a:noFill/>
-            <a:miter lim="800000"/>
-            <a:headEnd/>
-            <a:tailEnd/>
-          </a:ln>
-          <a:effectLst/>
-        </p:spPr>
-        <p:txBody>
-          <a:bodyPr vert="horz" wrap="none" lIns="91440" tIns="45720" rIns="91440" bIns="45720" numCol="1" anchor="ctr" anchorCtr="0" compatLnSpc="1">
-            <a:prstTxWarp prst="textNoShape">
-              <a:avLst/>
-            </a:prstTxWarp>
-            <a:spAutoFit/>
-          </a:bodyPr>
-          <a:lstStyle/>
-          <a:p>
-            <a:pPr marL="0" marR="0" lvl="0" indent="0" algn="l" defTabSz="914400" rtl="0" eaLnBrk="1" fontAlgn="base" latinLnBrk="0" hangingPunct="1">
-              <a:lnSpc>
-                <a:spcPct val="100000"/>
-              </a:lnSpc>
-              <a:spcBef>
-                <a:spcPct val="0"/>
-              </a:spcBef>
-              <a:spcAft>
-                <a:spcPct val="0"/>
-              </a:spcAft>
-              <a:buClrTx/>
-              <a:buSzTx/>
-              <a:buFontTx/>
-              <a:buNone/>
-              <a:tabLst/>
-            </a:pPr>
-            <a:r>
-              <a:rPr kumimoji="0" lang="en-US" sz="2400" b="1" i="0" u="none" strike="noStrike" cap="none" normalizeH="0" baseline="0" dirty="0" smtClean="0">
-                <a:ln>
-                  <a:noFill/>
-                </a:ln>
-                <a:solidFill>
-                  <a:schemeClr val="tx1"/>
-                </a:solidFill>
-                <a:effectLst/>
-                <a:ea typeface="Times New Roman" pitchFamily="18" charset="0"/>
-                <a:cs typeface="Times New Roman" pitchFamily="18" charset="0"/>
-              </a:rPr>
-              <a:t>Tester view bugs</a:t>
-            </a:r>
-            <a:endParaRPr kumimoji="0" lang="en-US" sz="2400" b="1" i="0" u="none" strike="noStrike" cap="none" normalizeH="0" baseline="0" dirty="0" smtClean="0">
-              <a:ln>
-                <a:noFill/>
-              </a:ln>
-              <a:solidFill>
-                <a:schemeClr val="tx1"/>
-              </a:solidFill>
-              <a:effectLst/>
-            </a:endParaRPr>
-          </a:p>
-          <a:p>
-            <a:pPr marL="0" marR="0" lvl="0" indent="0" algn="l" defTabSz="914400" rtl="0" eaLnBrk="0" fontAlgn="base" latinLnBrk="0" hangingPunct="0">
-              <a:lnSpc>
-                <a:spcPct val="100000"/>
-              </a:lnSpc>
-              <a:spcBef>
-                <a:spcPct val="0"/>
-              </a:spcBef>
-              <a:spcAft>
-                <a:spcPct val="0"/>
-              </a:spcAft>
-              <a:buClrTx/>
-              <a:buSzTx/>
-              <a:buFontTx/>
-              <a:buNone/>
-              <a:tabLst/>
-            </a:pPr>
-            <a:endParaRPr kumimoji="0" lang="en-US" sz="2400" b="1" i="0" u="none" strike="noStrike" cap="none" normalizeH="0" baseline="0" dirty="0" smtClean="0">
-              <a:ln>
-                <a:noFill/>
-              </a:ln>
-              <a:solidFill>
-                <a:schemeClr val="tx1"/>
-              </a:solidFill>
-              <a:effectLst/>
-            </a:endParaRPr>
-          </a:p>
-        </p:txBody>
-      </p:sp>
-      <p:pic>
-        <p:nvPicPr>
-          <p:cNvPr id="7169" name="Picture 6" descr="othr bugs"/>
-          <p:cNvPicPr>
-            <a:picLocks noChangeAspect="1" noChangeArrowheads="1"/>
-          </p:cNvPicPr>
-          <p:nvPr/>
-        </p:nvPicPr>
-        <p:blipFill>
-          <a:blip r:embed="rId2"/>
-          <a:srcRect/>
-          <a:stretch>
-            <a:fillRect/>
-          </a:stretch>
-        </p:blipFill>
-        <p:spPr bwMode="auto">
-          <a:xfrm>
-            <a:off x="381000" y="1600200"/>
-            <a:ext cx="8305800" cy="4724400"/>
-          </a:xfrm>
-          <a:prstGeom prst="rect">
-            <a:avLst/>
-          </a:prstGeom>
-          <a:noFill/>
-        </p:spPr>
-      </p:pic>
-      <p:sp>
-        <p:nvSpPr>
-          <p:cNvPr id="7171" name="Rectangle 3"/>
-          <p:cNvSpPr>
-            <a:spLocks noChangeArrowheads="1"/>
-          </p:cNvSpPr>
-          <p:nvPr/>
-        </p:nvSpPr>
-        <p:spPr bwMode="auto">
-          <a:xfrm>
-            <a:off x="0" y="3829050"/>
-            <a:ext cx="9144000" cy="0"/>
-          </a:xfrm>
-          <a:prstGeom prst="rect">
-            <a:avLst/>
-          </a:prstGeom>
-          <a:noFill/>
-          <a:ln w="9525">
-            <a:noFill/>
-            <a:miter lim="800000"/>
-            <a:headEnd/>
-            <a:tailEnd/>
-          </a:ln>
-          <a:effectLst/>
-        </p:spPr>
-        <p:txBody>
-          <a:bodyPr vert="horz" wrap="none" lIns="91440" tIns="45720" rIns="91440" bIns="45720" numCol="1" anchor="ctr" anchorCtr="0" compatLnSpc="1">
-            <a:prstTxWarp prst="textNoShape">
-              <a:avLst/>
-            </a:prstTxWarp>
-            <a:spAutoFit/>
-          </a:bodyPr>
-          <a:lstStyle/>
-          <a:p>
-            <a:pPr marL="0" marR="0" lvl="0" indent="0" algn="l" defTabSz="914400" rtl="0" eaLnBrk="1" fontAlgn="base" latinLnBrk="0" hangingPunct="1">
-              <a:lnSpc>
-                <a:spcPct val="100000"/>
-              </a:lnSpc>
-              <a:spcBef>
-                <a:spcPct val="0"/>
-              </a:spcBef>
-              <a:spcAft>
-                <a:spcPct val="0"/>
-              </a:spcAft>
-              <a:buClrTx/>
-              <a:buSzTx/>
-              <a:buFontTx/>
-              <a:buNone/>
-              <a:tabLst/>
-            </a:pPr>
-            <a:endParaRPr kumimoji="0" lang="en-US" sz="1800" b="0" i="0" u="none" strike="noStrike" cap="none" normalizeH="0" baseline="0" smtClean="0">
-              <a:ln>
-                <a:noFill/>
-              </a:ln>
-              <a:solidFill>
-                <a:schemeClr val="tx1"/>
-              </a:solidFill>
-              <a:effectLst/>
-              <a:latin typeface="Arial" pitchFamily="34" charset="0"/>
-            </a:endParaRPr>
-          </a:p>
-        </p:txBody>
-      </p:sp>
-    </p:spTree>
-  </p:cSld>
-  <p:clrMapOvr>
-    <a:masterClrMapping/>
-  </p:clrMapOvr>
-</p:sld>
-</file>
-
-<file path=ppt/slides/slide25.xml><?xml version="1.0" encoding="utf-8"?>
-<p:sld xmlns:a="http://schemas.openxmlformats.org/drawingml/2006/main" xmlns:r="http://schemas.openxmlformats.org/officeDocument/2006/relationships" xmlns:p="http://schemas.openxmlformats.org/presentationml/2006/main">
-  <p:cSld>
-    <p:spTree>
-      <p:nvGrpSpPr>
-        <p:cNvPr id="1" name=""/>
-        <p:cNvGrpSpPr/>
-        <p:nvPr/>
-      </p:nvGrpSpPr>
-      <p:grpSpPr>
-        <a:xfrm>
-          <a:off x="0" y="0"/>
-          <a:ext cx="0" cy="0"/>
-          <a:chOff x="0" y="0"/>
-          <a:chExt cx="0" cy="0"/>
-        </a:xfrm>
-      </p:grpSpPr>
-      <p:sp>
-        <p:nvSpPr>
-          <p:cNvPr id="43010" name="Rectangle 2"/>
-          <p:cNvSpPr>
-            <a:spLocks noChangeArrowheads="1"/>
-          </p:cNvSpPr>
-          <p:nvPr/>
-        </p:nvSpPr>
-        <p:spPr bwMode="auto">
-          <a:xfrm>
-            <a:off x="152400" y="1066800"/>
-            <a:ext cx="1831207" cy="830997"/>
-          </a:xfrm>
-          <a:prstGeom prst="rect">
-            <a:avLst/>
-          </a:prstGeom>
-          <a:noFill/>
-          <a:ln w="9525">
-            <a:noFill/>
-            <a:miter lim="800000"/>
-            <a:headEnd/>
-            <a:tailEnd/>
-          </a:ln>
-          <a:effectLst/>
-        </p:spPr>
-        <p:txBody>
-          <a:bodyPr vert="horz" wrap="none" lIns="91440" tIns="45720" rIns="91440" bIns="45720" numCol="1" anchor="ctr" anchorCtr="0" compatLnSpc="1">
-            <a:prstTxWarp prst="textNoShape">
-              <a:avLst/>
-            </a:prstTxWarp>
-            <a:spAutoFit/>
-          </a:bodyPr>
-          <a:lstStyle/>
-          <a:p>
-            <a:pPr marL="0" marR="0" lvl="0" indent="0" algn="l" defTabSz="914400" rtl="0" eaLnBrk="1" fontAlgn="base" latinLnBrk="0" hangingPunct="1">
-              <a:lnSpc>
-                <a:spcPct val="100000"/>
-              </a:lnSpc>
-              <a:spcBef>
-                <a:spcPct val="0"/>
-              </a:spcBef>
-              <a:spcAft>
-                <a:spcPct val="0"/>
-              </a:spcAft>
-              <a:buClrTx/>
-              <a:buSzTx/>
-              <a:buFontTx/>
-              <a:buNone/>
-              <a:tabLst/>
-            </a:pPr>
-            <a:r>
-              <a:rPr kumimoji="0" lang="en-US" sz="2400" b="1" i="0" u="none" strike="noStrike" cap="none" normalizeH="0" baseline="0" dirty="0" smtClean="0">
-                <a:ln>
-                  <a:noFill/>
-                </a:ln>
-                <a:solidFill>
-                  <a:schemeClr val="tx1"/>
-                </a:solidFill>
-                <a:effectLst/>
-                <a:ea typeface="Times New Roman" pitchFamily="18" charset="0"/>
-                <a:cs typeface="Times New Roman" pitchFamily="18" charset="0"/>
-              </a:rPr>
-              <a:t>Edit profile</a:t>
-            </a:r>
-            <a:endParaRPr kumimoji="0" lang="en-US" sz="2400" b="1" i="0" u="none" strike="noStrike" cap="none" normalizeH="0" baseline="0" dirty="0" smtClean="0">
-              <a:ln>
-                <a:noFill/>
-              </a:ln>
-              <a:solidFill>
-                <a:schemeClr val="tx1"/>
-              </a:solidFill>
-              <a:effectLst/>
-            </a:endParaRPr>
-          </a:p>
-          <a:p>
-            <a:pPr marL="0" marR="0" lvl="0" indent="0" algn="l" defTabSz="914400" rtl="0" eaLnBrk="0" fontAlgn="base" latinLnBrk="0" hangingPunct="0">
-              <a:lnSpc>
-                <a:spcPct val="100000"/>
-              </a:lnSpc>
-              <a:spcBef>
-                <a:spcPct val="0"/>
-              </a:spcBef>
-              <a:spcAft>
-                <a:spcPct val="0"/>
-              </a:spcAft>
-              <a:buClrTx/>
-              <a:buSzTx/>
-              <a:buFontTx/>
-              <a:buNone/>
-              <a:tabLst/>
-            </a:pPr>
-            <a:endParaRPr kumimoji="0" lang="en-US" sz="2400" b="1" i="0" u="none" strike="noStrike" cap="none" normalizeH="0" baseline="0" dirty="0" smtClean="0">
-              <a:ln>
-                <a:noFill/>
-              </a:ln>
-              <a:solidFill>
-                <a:schemeClr val="tx1"/>
-              </a:solidFill>
-              <a:effectLst/>
-            </a:endParaRPr>
-          </a:p>
-        </p:txBody>
-      </p:sp>
-      <p:pic>
-        <p:nvPicPr>
-          <p:cNvPr id="43009" name="Picture 7" descr="edit profile"/>
-          <p:cNvPicPr>
-            <a:picLocks noChangeAspect="1" noChangeArrowheads="1"/>
-          </p:cNvPicPr>
-          <p:nvPr/>
-        </p:nvPicPr>
-        <p:blipFill>
-          <a:blip r:embed="rId2"/>
-          <a:srcRect/>
-          <a:stretch>
-            <a:fillRect/>
-          </a:stretch>
-        </p:blipFill>
-        <p:spPr bwMode="auto">
-          <a:xfrm>
-            <a:off x="457200" y="1600200"/>
-            <a:ext cx="8229600" cy="4953000"/>
-          </a:xfrm>
-          <a:prstGeom prst="rect">
-            <a:avLst/>
-          </a:prstGeom>
-          <a:noFill/>
-        </p:spPr>
-      </p:pic>
-      <p:sp>
-        <p:nvSpPr>
-          <p:cNvPr id="43011" name="Rectangle 3"/>
-          <p:cNvSpPr>
-            <a:spLocks noChangeArrowheads="1"/>
-          </p:cNvSpPr>
-          <p:nvPr/>
-        </p:nvSpPr>
-        <p:spPr bwMode="auto">
-          <a:xfrm>
-            <a:off x="0" y="3829050"/>
-            <a:ext cx="9144000" cy="0"/>
-          </a:xfrm>
-          <a:prstGeom prst="rect">
-            <a:avLst/>
-          </a:prstGeom>
-          <a:noFill/>
-          <a:ln w="9525">
-            <a:noFill/>
-            <a:miter lim="800000"/>
-            <a:headEnd/>
-            <a:tailEnd/>
-          </a:ln>
-          <a:effectLst/>
-        </p:spPr>
-        <p:txBody>
-          <a:bodyPr vert="horz" wrap="none" lIns="91440" tIns="45720" rIns="91440" bIns="45720" numCol="1" anchor="ctr" anchorCtr="0" compatLnSpc="1">
-            <a:prstTxWarp prst="textNoShape">
-              <a:avLst/>
-            </a:prstTxWarp>
-            <a:spAutoFit/>
-          </a:bodyPr>
-          <a:lstStyle/>
-          <a:p>
-            <a:pPr marL="0" marR="0" lvl="0" indent="0" algn="l" defTabSz="914400" rtl="0" eaLnBrk="1" fontAlgn="base" latinLnBrk="0" hangingPunct="1">
-              <a:lnSpc>
-                <a:spcPct val="100000"/>
-              </a:lnSpc>
-              <a:spcBef>
-                <a:spcPct val="0"/>
-              </a:spcBef>
-              <a:spcAft>
-                <a:spcPct val="0"/>
-              </a:spcAft>
-              <a:buClrTx/>
-              <a:buSzTx/>
-              <a:buFontTx/>
-              <a:buNone/>
-              <a:tabLst/>
-            </a:pPr>
-            <a:endParaRPr kumimoji="0" lang="en-US" sz="1800" b="0" i="0" u="none" strike="noStrike" cap="none" normalizeH="0" baseline="0" smtClean="0">
-              <a:ln>
-                <a:noFill/>
-              </a:ln>
-              <a:solidFill>
-                <a:schemeClr val="tx1"/>
-              </a:solidFill>
-              <a:effectLst/>
-              <a:latin typeface="Arial" pitchFamily="34" charset="0"/>
-            </a:endParaRPr>
-          </a:p>
-        </p:txBody>
-      </p:sp>
-    </p:spTree>
-  </p:cSld>
-  <p:clrMapOvr>
-    <a:masterClrMapping/>
-  </p:clrMapOvr>
-</p:sld>
-</file>
-
-<file path=ppt/slides/slide26.xml><?xml version="1.0" encoding="utf-8"?>
-<p:sld xmlns:a="http://schemas.openxmlformats.org/drawingml/2006/main" xmlns:r="http://schemas.openxmlformats.org/officeDocument/2006/relationships" xmlns:p="http://schemas.openxmlformats.org/presentationml/2006/main">
-  <p:cSld>
-    <p:spTree>
-      <p:nvGrpSpPr>
-        <p:cNvPr id="1" name=""/>
-        <p:cNvGrpSpPr/>
-        <p:nvPr/>
-      </p:nvGrpSpPr>
-      <p:grpSpPr>
-        <a:xfrm>
-          <a:off x="0" y="0"/>
-          <a:ext cx="0" cy="0"/>
-          <a:chOff x="0" y="0"/>
-          <a:chExt cx="0" cy="0"/>
-        </a:xfrm>
-      </p:grpSpPr>
-      <p:sp>
-        <p:nvSpPr>
-          <p:cNvPr id="41986" name="Rectangle 2"/>
-          <p:cNvSpPr>
-            <a:spLocks noChangeArrowheads="1"/>
-          </p:cNvSpPr>
-          <p:nvPr/>
-        </p:nvSpPr>
-        <p:spPr bwMode="auto">
-          <a:xfrm>
-            <a:off x="152400" y="1066800"/>
-            <a:ext cx="2700355" cy="830997"/>
-          </a:xfrm>
-          <a:prstGeom prst="rect">
-            <a:avLst/>
-          </a:prstGeom>
-          <a:noFill/>
-          <a:ln w="9525">
-            <a:noFill/>
-            <a:miter lim="800000"/>
-            <a:headEnd/>
-            <a:tailEnd/>
-          </a:ln>
-          <a:effectLst/>
-        </p:spPr>
-        <p:txBody>
-          <a:bodyPr vert="horz" wrap="none" lIns="91440" tIns="45720" rIns="91440" bIns="45720" numCol="1" anchor="ctr" anchorCtr="0" compatLnSpc="1">
-            <a:prstTxWarp prst="textNoShape">
-              <a:avLst/>
-            </a:prstTxWarp>
-            <a:spAutoFit/>
-          </a:bodyPr>
-          <a:lstStyle/>
-          <a:p>
-            <a:pPr marL="0" marR="0" lvl="0" indent="0" algn="l" defTabSz="914400" rtl="0" eaLnBrk="1" fontAlgn="base" latinLnBrk="0" hangingPunct="1">
-              <a:lnSpc>
-                <a:spcPct val="100000"/>
-              </a:lnSpc>
-              <a:spcBef>
-                <a:spcPct val="0"/>
-              </a:spcBef>
-              <a:spcAft>
-                <a:spcPct val="0"/>
-              </a:spcAft>
-              <a:buClrTx/>
-              <a:buSzTx/>
-              <a:buFontTx/>
-              <a:buNone/>
-              <a:tabLst/>
-            </a:pPr>
-            <a:r>
-              <a:rPr kumimoji="0" lang="en-US" sz="2400" b="1" i="0" u="none" strike="noStrike" cap="none" normalizeH="0" baseline="0" dirty="0" smtClean="0">
-                <a:ln>
-                  <a:noFill/>
-                </a:ln>
-                <a:solidFill>
-                  <a:schemeClr val="tx1"/>
-                </a:solidFill>
-                <a:effectLst/>
-                <a:ea typeface="Times New Roman" pitchFamily="18" charset="0"/>
-                <a:cs typeface="Times New Roman" pitchFamily="18" charset="0"/>
-              </a:rPr>
-              <a:t>Change password</a:t>
-            </a:r>
-            <a:endParaRPr kumimoji="0" lang="en-US" sz="2400" b="1" i="0" u="none" strike="noStrike" cap="none" normalizeH="0" baseline="0" dirty="0" smtClean="0">
-              <a:ln>
-                <a:noFill/>
-              </a:ln>
-              <a:solidFill>
-                <a:schemeClr val="tx1"/>
-              </a:solidFill>
-              <a:effectLst/>
-            </a:endParaRPr>
-          </a:p>
-          <a:p>
-            <a:pPr marL="0" marR="0" lvl="0" indent="0" algn="l" defTabSz="914400" rtl="0" eaLnBrk="0" fontAlgn="base" latinLnBrk="0" hangingPunct="0">
-              <a:lnSpc>
-                <a:spcPct val="100000"/>
-              </a:lnSpc>
-              <a:spcBef>
-                <a:spcPct val="0"/>
-              </a:spcBef>
-              <a:spcAft>
-                <a:spcPct val="0"/>
-              </a:spcAft>
-              <a:buClrTx/>
-              <a:buSzTx/>
-              <a:buFontTx/>
-              <a:buNone/>
-              <a:tabLst/>
-            </a:pPr>
-            <a:endParaRPr kumimoji="0" lang="en-US" sz="2400" b="1" i="0" u="none" strike="noStrike" cap="none" normalizeH="0" baseline="0" dirty="0" smtClean="0">
-              <a:ln>
-                <a:noFill/>
-              </a:ln>
-              <a:solidFill>
-                <a:schemeClr val="tx1"/>
-              </a:solidFill>
-              <a:effectLst/>
-            </a:endParaRPr>
-          </a:p>
-        </p:txBody>
-      </p:sp>
-      <p:pic>
-        <p:nvPicPr>
-          <p:cNvPr id="41985" name="Picture 8" descr="change password"/>
-          <p:cNvPicPr>
-            <a:picLocks noChangeAspect="1" noChangeArrowheads="1"/>
-          </p:cNvPicPr>
-          <p:nvPr/>
-        </p:nvPicPr>
-        <p:blipFill>
-          <a:blip r:embed="rId2"/>
-          <a:srcRect/>
-          <a:stretch>
-            <a:fillRect/>
-          </a:stretch>
-        </p:blipFill>
-        <p:spPr bwMode="auto">
-          <a:xfrm>
-            <a:off x="457200" y="1600200"/>
-            <a:ext cx="8305800" cy="4876800"/>
-          </a:xfrm>
-          <a:prstGeom prst="rect">
-            <a:avLst/>
-          </a:prstGeom>
-          <a:noFill/>
-        </p:spPr>
-      </p:pic>
-      <p:sp>
-        <p:nvSpPr>
-          <p:cNvPr id="41987" name="Rectangle 3"/>
-          <p:cNvSpPr>
-            <a:spLocks noChangeArrowheads="1"/>
-          </p:cNvSpPr>
-          <p:nvPr/>
-        </p:nvSpPr>
-        <p:spPr bwMode="auto">
-          <a:xfrm>
-            <a:off x="0" y="3829050"/>
-            <a:ext cx="9144000" cy="0"/>
-          </a:xfrm>
-          <a:prstGeom prst="rect">
-            <a:avLst/>
-          </a:prstGeom>
-          <a:noFill/>
-          <a:ln w="9525">
-            <a:noFill/>
-            <a:miter lim="800000"/>
-            <a:headEnd/>
-            <a:tailEnd/>
-          </a:ln>
-          <a:effectLst/>
-        </p:spPr>
-        <p:txBody>
-          <a:bodyPr vert="horz" wrap="none" lIns="91440" tIns="45720" rIns="91440" bIns="45720" numCol="1" anchor="ctr" anchorCtr="0" compatLnSpc="1">
-            <a:prstTxWarp prst="textNoShape">
-              <a:avLst/>
-            </a:prstTxWarp>
-            <a:spAutoFit/>
-          </a:bodyPr>
-          <a:lstStyle/>
-          <a:p>
-            <a:pPr marL="0" marR="0" lvl="0" indent="0" algn="l" defTabSz="914400" rtl="0" eaLnBrk="1" fontAlgn="base" latinLnBrk="0" hangingPunct="1">
-              <a:lnSpc>
-                <a:spcPct val="100000"/>
-              </a:lnSpc>
-              <a:spcBef>
-                <a:spcPct val="0"/>
-              </a:spcBef>
-              <a:spcAft>
-                <a:spcPct val="0"/>
-              </a:spcAft>
-              <a:buClrTx/>
-              <a:buSzTx/>
-              <a:buFontTx/>
-              <a:buNone/>
-              <a:tabLst/>
-            </a:pPr>
-            <a:endParaRPr kumimoji="0" lang="en-US" sz="1800" b="0" i="0" u="none" strike="noStrike" cap="none" normalizeH="0" baseline="0" smtClean="0">
-              <a:ln>
-                <a:noFill/>
-              </a:ln>
-              <a:solidFill>
-                <a:schemeClr val="tx1"/>
-              </a:solidFill>
-              <a:effectLst/>
-              <a:latin typeface="Arial" pitchFamily="34" charset="0"/>
-            </a:endParaRPr>
-          </a:p>
-        </p:txBody>
-      </p:sp>
-    </p:spTree>
-  </p:cSld>
-  <p:clrMapOvr>
-    <a:masterClrMapping/>
-  </p:clrMapOvr>
-</p:sld>
-</file>
-
-<file path=ppt/slides/slide27.xml><?xml version="1.0" encoding="utf-8"?>
-<p:sld xmlns:a="http://schemas.openxmlformats.org/drawingml/2006/main" xmlns:r="http://schemas.openxmlformats.org/officeDocument/2006/relationships" xmlns:p="http://schemas.openxmlformats.org/presentationml/2006/main">
-  <p:cSld>
-    <p:spTree>
-      <p:nvGrpSpPr>
-        <p:cNvPr id="1" name=""/>
-        <p:cNvGrpSpPr/>
-        <p:nvPr/>
-      </p:nvGrpSpPr>
-      <p:grpSpPr>
-        <a:xfrm>
-          <a:off x="0" y="0"/>
-          <a:ext cx="0" cy="0"/>
-          <a:chOff x="0" y="0"/>
-          <a:chExt cx="0" cy="0"/>
-        </a:xfrm>
-      </p:grpSpPr>
-      <p:sp>
-        <p:nvSpPr>
-          <p:cNvPr id="40962" name="Rectangle 2"/>
-          <p:cNvSpPr>
-            <a:spLocks noChangeArrowheads="1"/>
-          </p:cNvSpPr>
-          <p:nvPr/>
-        </p:nvSpPr>
-        <p:spPr bwMode="auto">
-          <a:xfrm>
-            <a:off x="152400" y="1066800"/>
-            <a:ext cx="3280065" cy="830997"/>
-          </a:xfrm>
-          <a:prstGeom prst="rect">
-            <a:avLst/>
-          </a:prstGeom>
-          <a:noFill/>
-          <a:ln w="9525">
-            <a:noFill/>
-            <a:miter lim="800000"/>
-            <a:headEnd/>
-            <a:tailEnd/>
-          </a:ln>
-          <a:effectLst/>
-        </p:spPr>
-        <p:txBody>
-          <a:bodyPr vert="horz" wrap="none" lIns="91440" tIns="45720" rIns="91440" bIns="45720" numCol="1" anchor="ctr" anchorCtr="0" compatLnSpc="1">
-            <a:prstTxWarp prst="textNoShape">
-              <a:avLst/>
-            </a:prstTxWarp>
-            <a:spAutoFit/>
-          </a:bodyPr>
-          <a:lstStyle/>
-          <a:p>
-            <a:pPr marL="0" marR="0" lvl="0" indent="0" algn="l" defTabSz="914400" rtl="0" eaLnBrk="1" fontAlgn="base" latinLnBrk="0" hangingPunct="1">
-              <a:lnSpc>
-                <a:spcPct val="100000"/>
-              </a:lnSpc>
-              <a:spcBef>
-                <a:spcPct val="0"/>
-              </a:spcBef>
-              <a:spcAft>
-                <a:spcPct val="0"/>
-              </a:spcAft>
-              <a:buClrTx/>
-              <a:buSzTx/>
-              <a:buFontTx/>
-              <a:buNone/>
-              <a:tabLst/>
-            </a:pPr>
-            <a:r>
-              <a:rPr kumimoji="0" lang="en-US" sz="2400" b="1" i="0" u="none" strike="noStrike" cap="none" normalizeH="0" baseline="0" dirty="0" smtClean="0">
-                <a:ln>
-                  <a:noFill/>
-                </a:ln>
-                <a:solidFill>
-                  <a:schemeClr val="tx1"/>
-                </a:solidFill>
-                <a:effectLst/>
-                <a:ea typeface="Times New Roman" pitchFamily="18" charset="0"/>
-                <a:cs typeface="Times New Roman" pitchFamily="18" charset="0"/>
-              </a:rPr>
-              <a:t>Developer bug report</a:t>
-            </a:r>
-            <a:endParaRPr kumimoji="0" lang="en-US" sz="2400" b="1" i="0" u="none" strike="noStrike" cap="none" normalizeH="0" baseline="0" dirty="0" smtClean="0">
-              <a:ln>
-                <a:noFill/>
-              </a:ln>
-              <a:solidFill>
-                <a:schemeClr val="tx1"/>
-              </a:solidFill>
-              <a:effectLst/>
-            </a:endParaRPr>
-          </a:p>
-          <a:p>
-            <a:pPr marL="0" marR="0" lvl="0" indent="0" algn="l" defTabSz="914400" rtl="0" eaLnBrk="0" fontAlgn="base" latinLnBrk="0" hangingPunct="0">
-              <a:lnSpc>
-                <a:spcPct val="100000"/>
-              </a:lnSpc>
-              <a:spcBef>
-                <a:spcPct val="0"/>
-              </a:spcBef>
-              <a:spcAft>
-                <a:spcPct val="0"/>
-              </a:spcAft>
-              <a:buClrTx/>
-              <a:buSzTx/>
-              <a:buFontTx/>
-              <a:buNone/>
-              <a:tabLst/>
-            </a:pPr>
-            <a:endParaRPr kumimoji="0" lang="en-US" sz="2400" b="1" i="0" u="none" strike="noStrike" cap="none" normalizeH="0" baseline="0" dirty="0" smtClean="0">
-              <a:ln>
-                <a:noFill/>
-              </a:ln>
-              <a:solidFill>
-                <a:schemeClr val="tx1"/>
-              </a:solidFill>
-              <a:effectLst/>
-            </a:endParaRPr>
-          </a:p>
-        </p:txBody>
-      </p:sp>
-      <p:pic>
-        <p:nvPicPr>
-          <p:cNvPr id="40961" name="Picture 10" descr="bug report"/>
-          <p:cNvPicPr>
-            <a:picLocks noChangeAspect="1" noChangeArrowheads="1"/>
-          </p:cNvPicPr>
-          <p:nvPr/>
-        </p:nvPicPr>
-        <p:blipFill>
-          <a:blip r:embed="rId2"/>
-          <a:srcRect/>
-          <a:stretch>
-            <a:fillRect/>
-          </a:stretch>
-        </p:blipFill>
-        <p:spPr bwMode="auto">
-          <a:xfrm>
-            <a:off x="381000" y="1600200"/>
-            <a:ext cx="8305800" cy="4876800"/>
-          </a:xfrm>
-          <a:prstGeom prst="rect">
-            <a:avLst/>
-          </a:prstGeom>
-          <a:noFill/>
-        </p:spPr>
-      </p:pic>
-      <p:sp>
-        <p:nvSpPr>
-          <p:cNvPr id="40963" name="Rectangle 3"/>
-          <p:cNvSpPr>
-            <a:spLocks noChangeArrowheads="1"/>
-          </p:cNvSpPr>
-          <p:nvPr/>
-        </p:nvSpPr>
-        <p:spPr bwMode="auto">
-          <a:xfrm>
-            <a:off x="0" y="3829050"/>
-            <a:ext cx="9144000" cy="0"/>
-          </a:xfrm>
-          <a:prstGeom prst="rect">
-            <a:avLst/>
-          </a:prstGeom>
-          <a:noFill/>
-          <a:ln w="9525">
-            <a:noFill/>
-            <a:miter lim="800000"/>
-            <a:headEnd/>
-            <a:tailEnd/>
-          </a:ln>
-          <a:effectLst/>
-        </p:spPr>
-        <p:txBody>
-          <a:bodyPr vert="horz" wrap="none" lIns="91440" tIns="45720" rIns="91440" bIns="45720" numCol="1" anchor="ctr" anchorCtr="0" compatLnSpc="1">
-            <a:prstTxWarp prst="textNoShape">
-              <a:avLst/>
-            </a:prstTxWarp>
-            <a:spAutoFit/>
-          </a:bodyPr>
-          <a:lstStyle/>
-          <a:p>
-            <a:pPr marL="0" marR="0" lvl="0" indent="0" algn="l" defTabSz="914400" rtl="0" eaLnBrk="1" fontAlgn="base" latinLnBrk="0" hangingPunct="1">
-              <a:lnSpc>
-                <a:spcPct val="100000"/>
-              </a:lnSpc>
-              <a:spcBef>
-                <a:spcPct val="0"/>
-              </a:spcBef>
-              <a:spcAft>
-                <a:spcPct val="0"/>
-              </a:spcAft>
-              <a:buClrTx/>
-              <a:buSzTx/>
-              <a:buFontTx/>
-              <a:buNone/>
-              <a:tabLst/>
-            </a:pPr>
-            <a:endParaRPr kumimoji="0" lang="en-US" sz="1800" b="0" i="0" u="none" strike="noStrike" cap="none" normalizeH="0" baseline="0" smtClean="0">
-              <a:ln>
-                <a:noFill/>
-              </a:ln>
-              <a:solidFill>
-                <a:schemeClr val="tx1"/>
-              </a:solidFill>
-              <a:effectLst/>
-              <a:latin typeface="Arial" pitchFamily="34" charset="0"/>
-            </a:endParaRPr>
-          </a:p>
-        </p:txBody>
-      </p:sp>
-    </p:spTree>
-  </p:cSld>
-  <p:clrMapOvr>
-    <a:masterClrMapping/>
-  </p:clrMapOvr>
-</p:sld>
-</file>
-
-<file path=ppt/slides/slide28.xml><?xml version="1.0" encoding="utf-8"?>
-<p:sld xmlns:a="http://schemas.openxmlformats.org/drawingml/2006/main" xmlns:r="http://schemas.openxmlformats.org/officeDocument/2006/relationships" xmlns:p="http://schemas.openxmlformats.org/presentationml/2006/main">
-  <p:cSld>
-    <p:spTree>
-      <p:nvGrpSpPr>
-        <p:cNvPr id="1" name=""/>
-        <p:cNvGrpSpPr/>
-        <p:nvPr/>
-      </p:nvGrpSpPr>
-      <p:grpSpPr>
-        <a:xfrm>
-          <a:off x="0" y="0"/>
-          <a:ext cx="0" cy="0"/>
-          <a:chOff x="0" y="0"/>
-          <a:chExt cx="0" cy="0"/>
-        </a:xfrm>
-      </p:grpSpPr>
-      <p:sp>
-        <p:nvSpPr>
-          <p:cNvPr id="39938" name="Rectangle 2"/>
-          <p:cNvSpPr>
-            <a:spLocks noChangeArrowheads="1"/>
-          </p:cNvSpPr>
-          <p:nvPr/>
-        </p:nvSpPr>
-        <p:spPr bwMode="auto">
-          <a:xfrm>
-            <a:off x="152400" y="1066800"/>
-            <a:ext cx="3575915" cy="830997"/>
-          </a:xfrm>
-          <a:prstGeom prst="rect">
-            <a:avLst/>
-          </a:prstGeom>
-          <a:noFill/>
-          <a:ln w="9525">
-            <a:noFill/>
-            <a:miter lim="800000"/>
-            <a:headEnd/>
-            <a:tailEnd/>
-          </a:ln>
-          <a:effectLst/>
-        </p:spPr>
-        <p:txBody>
-          <a:bodyPr vert="horz" wrap="none" lIns="91440" tIns="45720" rIns="91440" bIns="45720" numCol="1" anchor="ctr" anchorCtr="0" compatLnSpc="1">
-            <a:prstTxWarp prst="textNoShape">
-              <a:avLst/>
-            </a:prstTxWarp>
-            <a:spAutoFit/>
-          </a:bodyPr>
-          <a:lstStyle/>
-          <a:p>
-            <a:pPr marL="0" marR="0" lvl="0" indent="0" algn="l" defTabSz="914400" rtl="0" eaLnBrk="1" fontAlgn="base" latinLnBrk="0" hangingPunct="1">
-              <a:lnSpc>
-                <a:spcPct val="100000"/>
-              </a:lnSpc>
-              <a:spcBef>
-                <a:spcPct val="0"/>
-              </a:spcBef>
-              <a:spcAft>
-                <a:spcPct val="0"/>
-              </a:spcAft>
-              <a:buClrTx/>
-              <a:buSzTx/>
-              <a:buFontTx/>
-              <a:buNone/>
-              <a:tabLst/>
-            </a:pPr>
-            <a:r>
-              <a:rPr kumimoji="0" lang="en-US" sz="2400" b="1" i="0" u="none" strike="noStrike" cap="none" normalizeH="0" baseline="0" dirty="0" smtClean="0">
-                <a:ln>
-                  <a:noFill/>
-                </a:ln>
-                <a:solidFill>
-                  <a:schemeClr val="tx1"/>
-                </a:solidFill>
-                <a:effectLst/>
-                <a:ea typeface="Times New Roman" pitchFamily="18" charset="0"/>
-                <a:cs typeface="Times New Roman" pitchFamily="18" charset="0"/>
-              </a:rPr>
-              <a:t>Admin add department</a:t>
-            </a:r>
-            <a:endParaRPr kumimoji="0" lang="en-US" sz="2400" b="1" i="0" u="none" strike="noStrike" cap="none" normalizeH="0" baseline="0" dirty="0" smtClean="0">
-              <a:ln>
-                <a:noFill/>
-              </a:ln>
-              <a:solidFill>
-                <a:schemeClr val="tx1"/>
-              </a:solidFill>
-              <a:effectLst/>
-            </a:endParaRPr>
-          </a:p>
-          <a:p>
-            <a:pPr marL="0" marR="0" lvl="0" indent="0" algn="l" defTabSz="914400" rtl="0" eaLnBrk="0" fontAlgn="base" latinLnBrk="0" hangingPunct="0">
-              <a:lnSpc>
-                <a:spcPct val="100000"/>
-              </a:lnSpc>
-              <a:spcBef>
-                <a:spcPct val="0"/>
-              </a:spcBef>
-              <a:spcAft>
-                <a:spcPct val="0"/>
-              </a:spcAft>
-              <a:buClrTx/>
-              <a:buSzTx/>
-              <a:buFontTx/>
-              <a:buNone/>
-              <a:tabLst/>
-            </a:pPr>
-            <a:endParaRPr kumimoji="0" lang="en-US" sz="2400" b="1" i="0" u="none" strike="noStrike" cap="none" normalizeH="0" baseline="0" dirty="0" smtClean="0">
-              <a:ln>
-                <a:noFill/>
-              </a:ln>
-              <a:solidFill>
-                <a:schemeClr val="tx1"/>
-              </a:solidFill>
-              <a:effectLst/>
-            </a:endParaRPr>
-          </a:p>
-        </p:txBody>
-      </p:sp>
-      <p:pic>
-        <p:nvPicPr>
-          <p:cNvPr id="39937" name="Picture 11" descr="add dept"/>
-          <p:cNvPicPr>
-            <a:picLocks noChangeAspect="1" noChangeArrowheads="1"/>
-          </p:cNvPicPr>
-          <p:nvPr/>
-        </p:nvPicPr>
-        <p:blipFill>
-          <a:blip r:embed="rId2"/>
-          <a:srcRect/>
-          <a:stretch>
-            <a:fillRect/>
-          </a:stretch>
-        </p:blipFill>
-        <p:spPr bwMode="auto">
-          <a:xfrm>
-            <a:off x="457200" y="1600200"/>
-            <a:ext cx="8305800" cy="4800600"/>
-          </a:xfrm>
-          <a:prstGeom prst="rect">
-            <a:avLst/>
-          </a:prstGeom>
-          <a:noFill/>
-        </p:spPr>
-      </p:pic>
-      <p:sp>
-        <p:nvSpPr>
-          <p:cNvPr id="39939" name="Rectangle 3"/>
-          <p:cNvSpPr>
-            <a:spLocks noChangeArrowheads="1"/>
-          </p:cNvSpPr>
-          <p:nvPr/>
-        </p:nvSpPr>
-        <p:spPr bwMode="auto">
-          <a:xfrm>
-            <a:off x="0" y="3829050"/>
-            <a:ext cx="9144000" cy="0"/>
-          </a:xfrm>
-          <a:prstGeom prst="rect">
-            <a:avLst/>
-          </a:prstGeom>
-          <a:noFill/>
-          <a:ln w="9525">
-            <a:noFill/>
-            <a:miter lim="800000"/>
-            <a:headEnd/>
-            <a:tailEnd/>
-          </a:ln>
-          <a:effectLst/>
-        </p:spPr>
-        <p:txBody>
-          <a:bodyPr vert="horz" wrap="none" lIns="91440" tIns="45720" rIns="91440" bIns="45720" numCol="1" anchor="ctr" anchorCtr="0" compatLnSpc="1">
-            <a:prstTxWarp prst="textNoShape">
-              <a:avLst/>
-            </a:prstTxWarp>
-            <a:spAutoFit/>
-          </a:bodyPr>
-          <a:lstStyle/>
-          <a:p>
-            <a:pPr marL="0" marR="0" lvl="0" indent="0" algn="l" defTabSz="914400" rtl="0" eaLnBrk="1" fontAlgn="base" latinLnBrk="0" hangingPunct="1">
-              <a:lnSpc>
-                <a:spcPct val="100000"/>
-              </a:lnSpc>
-              <a:spcBef>
-                <a:spcPct val="0"/>
-              </a:spcBef>
-              <a:spcAft>
-                <a:spcPct val="0"/>
-              </a:spcAft>
-              <a:buClrTx/>
-              <a:buSzTx/>
-              <a:buFontTx/>
-              <a:buNone/>
-              <a:tabLst/>
-            </a:pPr>
-            <a:endParaRPr kumimoji="0" lang="en-US" sz="1800" b="0" i="0" u="none" strike="noStrike" cap="none" normalizeH="0" baseline="0" smtClean="0">
-              <a:ln>
-                <a:noFill/>
-              </a:ln>
-              <a:solidFill>
-                <a:schemeClr val="tx1"/>
-              </a:solidFill>
-              <a:effectLst/>
-              <a:latin typeface="Arial" pitchFamily="34" charset="0"/>
-            </a:endParaRPr>
-          </a:p>
-        </p:txBody>
-      </p:sp>
-    </p:spTree>
-  </p:cSld>
-  <p:clrMapOvr>
-    <a:masterClrMapping/>
-  </p:clrMapOvr>
-</p:sld>
-</file>
-
-<file path=ppt/slides/slide29.xml><?xml version="1.0" encoding="utf-8"?>
-<p:sld xmlns:a="http://schemas.openxmlformats.org/drawingml/2006/main" xmlns:r="http://schemas.openxmlformats.org/officeDocument/2006/relationships" xmlns:p="http://schemas.openxmlformats.org/presentationml/2006/main">
-  <p:cSld>
-    <p:spTree>
-      <p:nvGrpSpPr>
-        <p:cNvPr id="1" name=""/>
-        <p:cNvGrpSpPr/>
-        <p:nvPr/>
-      </p:nvGrpSpPr>
-      <p:grpSpPr>
-        <a:xfrm>
-          <a:off x="0" y="0"/>
-          <a:ext cx="0" cy="0"/>
-          <a:chOff x="0" y="0"/>
-          <a:chExt cx="0" cy="0"/>
-        </a:xfrm>
-      </p:grpSpPr>
-      <p:sp>
-        <p:nvSpPr>
-          <p:cNvPr id="38914" name="Rectangle 2"/>
-          <p:cNvSpPr>
-            <a:spLocks noChangeArrowheads="1"/>
-          </p:cNvSpPr>
-          <p:nvPr/>
-        </p:nvSpPr>
-        <p:spPr bwMode="auto">
-          <a:xfrm>
-            <a:off x="152400" y="1066800"/>
-            <a:ext cx="2876621" cy="830997"/>
-          </a:xfrm>
-          <a:prstGeom prst="rect">
-            <a:avLst/>
-          </a:prstGeom>
-          <a:noFill/>
-          <a:ln w="9525">
-            <a:noFill/>
-            <a:miter lim="800000"/>
-            <a:headEnd/>
-            <a:tailEnd/>
-          </a:ln>
-          <a:effectLst/>
-        </p:spPr>
-        <p:txBody>
-          <a:bodyPr vert="horz" wrap="none" lIns="91440" tIns="45720" rIns="91440" bIns="45720" numCol="1" anchor="ctr" anchorCtr="0" compatLnSpc="1">
-            <a:prstTxWarp prst="textNoShape">
-              <a:avLst/>
-            </a:prstTxWarp>
-            <a:spAutoFit/>
-          </a:bodyPr>
-          <a:lstStyle/>
-          <a:p>
-            <a:pPr marL="0" marR="0" lvl="0" indent="0" algn="l" defTabSz="914400" rtl="0" eaLnBrk="1" fontAlgn="base" latinLnBrk="0" hangingPunct="1">
-              <a:lnSpc>
-                <a:spcPct val="100000"/>
-              </a:lnSpc>
-              <a:spcBef>
-                <a:spcPct val="0"/>
-              </a:spcBef>
-              <a:spcAft>
-                <a:spcPct val="0"/>
-              </a:spcAft>
-              <a:buClrTx/>
-              <a:buSzTx/>
-              <a:buFontTx/>
-              <a:buNone/>
-              <a:tabLst/>
-            </a:pPr>
-            <a:r>
-              <a:rPr kumimoji="0" lang="en-US" sz="2400" b="1" i="0" u="none" strike="noStrike" cap="none" normalizeH="0" baseline="0" dirty="0" smtClean="0">
-                <a:ln>
-                  <a:noFill/>
-                </a:ln>
-                <a:solidFill>
-                  <a:schemeClr val="tx1"/>
-                </a:solidFill>
-                <a:effectLst/>
-                <a:ea typeface="Times New Roman" pitchFamily="18" charset="0"/>
-                <a:cs typeface="Times New Roman" pitchFamily="18" charset="0"/>
-              </a:rPr>
-              <a:t>Admin add project</a:t>
-            </a:r>
-            <a:endParaRPr kumimoji="0" lang="en-US" sz="2400" b="1" i="0" u="none" strike="noStrike" cap="none" normalizeH="0" baseline="0" dirty="0" smtClean="0">
-              <a:ln>
-                <a:noFill/>
-              </a:ln>
-              <a:solidFill>
-                <a:schemeClr val="tx1"/>
-              </a:solidFill>
-              <a:effectLst/>
-            </a:endParaRPr>
-          </a:p>
-          <a:p>
-            <a:pPr marL="0" marR="0" lvl="0" indent="0" algn="l" defTabSz="914400" rtl="0" eaLnBrk="0" fontAlgn="base" latinLnBrk="0" hangingPunct="0">
-              <a:lnSpc>
-                <a:spcPct val="100000"/>
-              </a:lnSpc>
-              <a:spcBef>
-                <a:spcPct val="0"/>
-              </a:spcBef>
-              <a:spcAft>
-                <a:spcPct val="0"/>
-              </a:spcAft>
-              <a:buClrTx/>
-              <a:buSzTx/>
-              <a:buFontTx/>
-              <a:buNone/>
-              <a:tabLst/>
-            </a:pPr>
-            <a:endParaRPr kumimoji="0" lang="en-US" sz="2400" b="1" i="0" u="none" strike="noStrike" cap="none" normalizeH="0" baseline="0" dirty="0" smtClean="0">
-              <a:ln>
-                <a:noFill/>
-              </a:ln>
-              <a:solidFill>
-                <a:schemeClr val="tx1"/>
-              </a:solidFill>
-              <a:effectLst/>
-            </a:endParaRPr>
-          </a:p>
-        </p:txBody>
-      </p:sp>
-      <p:pic>
-        <p:nvPicPr>
-          <p:cNvPr id="38913" name="Picture 12" descr="add project"/>
-          <p:cNvPicPr>
-            <a:picLocks noChangeAspect="1" noChangeArrowheads="1"/>
-          </p:cNvPicPr>
-          <p:nvPr/>
-        </p:nvPicPr>
-        <p:blipFill>
-          <a:blip r:embed="rId2"/>
-          <a:srcRect/>
-          <a:stretch>
-            <a:fillRect/>
-          </a:stretch>
-        </p:blipFill>
-        <p:spPr bwMode="auto">
-          <a:xfrm>
-            <a:off x="457200" y="1600200"/>
-            <a:ext cx="8229600" cy="4876800"/>
-          </a:xfrm>
-          <a:prstGeom prst="rect">
-            <a:avLst/>
-          </a:prstGeom>
-          <a:noFill/>
-        </p:spPr>
-      </p:pic>
-      <p:sp>
-        <p:nvSpPr>
-          <p:cNvPr id="38915" name="Rectangle 3"/>
-          <p:cNvSpPr>
-            <a:spLocks noChangeArrowheads="1"/>
-          </p:cNvSpPr>
-          <p:nvPr/>
-        </p:nvSpPr>
-        <p:spPr bwMode="auto">
-          <a:xfrm>
-            <a:off x="0" y="3829050"/>
-            <a:ext cx="9144000" cy="0"/>
-          </a:xfrm>
-          <a:prstGeom prst="rect">
-            <a:avLst/>
-          </a:prstGeom>
-          <a:noFill/>
-          <a:ln w="9525">
-            <a:noFill/>
-            <a:miter lim="800000"/>
-            <a:headEnd/>
-            <a:tailEnd/>
-          </a:ln>
-          <a:effectLst/>
-        </p:spPr>
-        <p:txBody>
-          <a:bodyPr vert="horz" wrap="none" lIns="91440" tIns="45720" rIns="91440" bIns="45720" numCol="1" anchor="ctr" anchorCtr="0" compatLnSpc="1">
-            <a:prstTxWarp prst="textNoShape">
-              <a:avLst/>
-            </a:prstTxWarp>
-            <a:spAutoFit/>
-          </a:bodyPr>
-          <a:lstStyle/>
-          <a:p>
-            <a:pPr marL="0" marR="0" lvl="0" indent="0" algn="l" defTabSz="914400" rtl="0" eaLnBrk="1" fontAlgn="base" latinLnBrk="0" hangingPunct="1">
-              <a:lnSpc>
-                <a:spcPct val="100000"/>
-              </a:lnSpc>
-              <a:spcBef>
-                <a:spcPct val="0"/>
-              </a:spcBef>
-              <a:spcAft>
-                <a:spcPct val="0"/>
-              </a:spcAft>
-              <a:buClrTx/>
-              <a:buSzTx/>
-              <a:buFontTx/>
-              <a:buNone/>
-              <a:tabLst/>
-            </a:pPr>
-            <a:endParaRPr kumimoji="0" lang="en-US" sz="1800" b="0" i="0" u="none" strike="noStrike" cap="none" normalizeH="0" baseline="0" smtClean="0">
-              <a:ln>
-                <a:noFill/>
-              </a:ln>
-              <a:solidFill>
-                <a:schemeClr val="tx1"/>
-              </a:solidFill>
-              <a:effectLst/>
-              <a:latin typeface="Arial" pitchFamily="34" charset="0"/>
-            </a:endParaRPr>
-          </a:p>
-        </p:txBody>
-      </p:sp>
-    </p:spTree>
-  </p:cSld>
-  <p:clrMapOvr>
-    <a:masterClrMapping/>
-  </p:clrMapOvr>
-</p:sld>
-</file>
-
 <file path=ppt/slides/slide3.xml><?xml version="1.0" encoding="utf-8"?>
 <p:sld xmlns:a="http://schemas.openxmlformats.org/drawingml/2006/main" xmlns:r="http://schemas.openxmlformats.org/officeDocument/2006/relationships" xmlns:p="http://schemas.openxmlformats.org/presentationml/2006/main">
   <p:cSld>
@@ -10025,380 +6932,6 @@
             </p:seq>
           </p:childTnLst>
         </p:cTn>
-      </p:par>
-    </p:tnLst>
-  </p:timing>
-</p:sld>
-</file>
-
-<file path=ppt/slides/slide30.xml><?xml version="1.0" encoding="utf-8"?>
-<p:sld xmlns:a="http://schemas.openxmlformats.org/drawingml/2006/main" xmlns:r="http://schemas.openxmlformats.org/officeDocument/2006/relationships" xmlns:p="http://schemas.openxmlformats.org/presentationml/2006/main">
-  <p:cSld>
-    <p:spTree>
-      <p:nvGrpSpPr>
-        <p:cNvPr id="1" name=""/>
-        <p:cNvGrpSpPr/>
-        <p:nvPr/>
-      </p:nvGrpSpPr>
-      <p:grpSpPr>
-        <a:xfrm>
-          <a:off x="0" y="0"/>
-          <a:ext cx="0" cy="0"/>
-          <a:chOff x="0" y="0"/>
-          <a:chExt cx="0" cy="0"/>
-        </a:xfrm>
-      </p:grpSpPr>
-      <p:sp>
-        <p:nvSpPr>
-          <p:cNvPr id="2" name="Rectangle 4"/>
-          <p:cNvSpPr>
-            <a:spLocks noChangeArrowheads="1"/>
-          </p:cNvSpPr>
-          <p:nvPr/>
-        </p:nvSpPr>
-        <p:spPr bwMode="auto">
-          <a:xfrm>
-            <a:off x="609600" y="1981200"/>
-            <a:ext cx="8001000" cy="2308324"/>
-          </a:xfrm>
-          <a:prstGeom prst="rect">
-            <a:avLst/>
-          </a:prstGeom>
-          <a:noFill/>
-          <a:ln w="9525">
-            <a:noFill/>
-            <a:miter lim="800000"/>
-            <a:headEnd/>
-            <a:tailEnd/>
-          </a:ln>
-        </p:spPr>
-        <p:txBody>
-          <a:bodyPr wrap="square" anchor="ctr">
-            <a:spAutoFit/>
-          </a:bodyPr>
-          <a:lstStyle/>
-          <a:p>
-            <a:pPr algn="just" eaLnBrk="1" hangingPunct="1"/>
-            <a:r>
-              <a:rPr lang="en-US" sz="2400" u="none" dirty="0"/>
-              <a:t>Web Enabled Defect Tracking System provides knowledge about the latest technology used in developing web enabled application and client server technology that will be great demand in future. This will provide better opportunities and guidance in future in developing projects independently.</a:t>
-            </a:r>
-          </a:p>
-        </p:txBody>
-      </p:sp>
-      <p:sp>
-        <p:nvSpPr>
-          <p:cNvPr id="3" name="Text Box 5"/>
-          <p:cNvSpPr txBox="1">
-            <a:spLocks noChangeArrowheads="1"/>
-          </p:cNvSpPr>
-          <p:nvPr/>
-        </p:nvSpPr>
-        <p:spPr bwMode="auto">
-          <a:xfrm>
-            <a:off x="3524250" y="990600"/>
-            <a:ext cx="2189830" cy="584775"/>
-          </a:xfrm>
-          <a:prstGeom prst="rect">
-            <a:avLst/>
-          </a:prstGeom>
-          <a:noFill/>
-          <a:ln w="9525">
-            <a:noFill/>
-            <a:miter lim="800000"/>
-            <a:headEnd/>
-            <a:tailEnd/>
-          </a:ln>
-        </p:spPr>
-        <p:txBody>
-          <a:bodyPr wrap="none">
-            <a:spAutoFit/>
-          </a:bodyPr>
-          <a:lstStyle/>
-          <a:p>
-            <a:r>
-              <a:rPr lang="en-US" sz="3200" dirty="0" smtClean="0"/>
-              <a:t>Conclusion</a:t>
-            </a:r>
-            <a:endParaRPr lang="en-US" sz="3200" dirty="0"/>
-          </a:p>
-        </p:txBody>
-      </p:sp>
-    </p:spTree>
-  </p:cSld>
-  <p:clrMapOvr>
-    <a:masterClrMapping/>
-  </p:clrMapOvr>
-  <p:timing>
-    <p:tnLst>
-      <p:par>
-        <p:cTn id="1" dur="indefinite" restart="never" nodeType="tmRoot">
-          <p:childTnLst>
-            <p:seq concurrent="1" nextAc="seek">
-              <p:cTn id="2" dur="indefinite" nodeType="mainSeq">
-                <p:childTnLst>
-                  <p:par>
-                    <p:cTn id="3" fill="hold">
-                      <p:stCondLst>
-                        <p:cond delay="indefinite"/>
-                      </p:stCondLst>
-                      <p:childTnLst>
-                        <p:par>
-                          <p:cTn id="4" fill="hold">
-                            <p:stCondLst>
-                              <p:cond delay="0"/>
-                            </p:stCondLst>
-                            <p:childTnLst>
-                              <p:par>
-                                <p:cTn id="5" presetID="3" presetClass="entr" presetSubtype="10" fill="hold" nodeType="clickEffect">
-                                  <p:stCondLst>
-                                    <p:cond delay="0"/>
-                                  </p:stCondLst>
-                                  <p:childTnLst>
-                                    <p:set>
-                                      <p:cBhvr>
-                                        <p:cTn id="6" dur="1" fill="hold">
-                                          <p:stCondLst>
-                                            <p:cond delay="0"/>
-                                          </p:stCondLst>
-                                        </p:cTn>
-                                        <p:tgtEl>
-                                          <p:spTgt spid="2">
-                                            <p:txEl>
-                                              <p:pRg st="0" end="0"/>
-                                            </p:txEl>
-                                          </p:spTgt>
-                                        </p:tgtEl>
-                                        <p:attrNameLst>
-                                          <p:attrName>style.visibility</p:attrName>
-                                        </p:attrNameLst>
-                                      </p:cBhvr>
-                                      <p:to>
-                                        <p:strVal val="visible"/>
-                                      </p:to>
-                                    </p:set>
-                                    <p:animEffect transition="in" filter="blinds(horizontal)">
-                                      <p:cBhvr>
-                                        <p:cTn id="7" dur="500"/>
-                                        <p:tgtEl>
-                                          <p:spTgt spid="2">
-                                            <p:txEl>
-                                              <p:pRg st="0" end="0"/>
-                                            </p:txEl>
-                                          </p:spTgt>
-                                        </p:tgtEl>
-                                      </p:cBhvr>
-                                    </p:animEffect>
-                                  </p:childTnLst>
-                                </p:cTn>
-                              </p:par>
-                            </p:childTnLst>
-                          </p:cTn>
-                        </p:par>
-                      </p:childTnLst>
-                    </p:cTn>
-                  </p:par>
-                </p:childTnLst>
-              </p:cTn>
-              <p:prevCondLst>
-                <p:cond evt="onPrev" delay="0">
-                  <p:tgtEl>
-                    <p:sldTgt/>
-                  </p:tgtEl>
-                </p:cond>
-              </p:prevCondLst>
-              <p:nextCondLst>
-                <p:cond evt="onNext" delay="0">
-                  <p:tgtEl>
-                    <p:sldTgt/>
-                  </p:tgtEl>
-                </p:cond>
-              </p:nextCondLst>
-            </p:seq>
-          </p:childTnLst>
-        </p:cTn>
-      </p:par>
-    </p:tnLst>
-  </p:timing>
-</p:sld>
-</file>
-
-<file path=ppt/slides/slide31.xml><?xml version="1.0" encoding="utf-8"?>
-<p:sld xmlns:a="http://schemas.openxmlformats.org/drawingml/2006/main" xmlns:r="http://schemas.openxmlformats.org/officeDocument/2006/relationships" xmlns:p="http://schemas.openxmlformats.org/presentationml/2006/main">
-  <p:cSld>
-    <p:spTree>
-      <p:nvGrpSpPr>
-        <p:cNvPr id="1" name=""/>
-        <p:cNvGrpSpPr/>
-        <p:nvPr/>
-      </p:nvGrpSpPr>
-      <p:grpSpPr>
-        <a:xfrm>
-          <a:off x="0" y="0"/>
-          <a:ext cx="0" cy="0"/>
-          <a:chOff x="0" y="0"/>
-          <a:chExt cx="0" cy="0"/>
-        </a:xfrm>
-      </p:grpSpPr>
-      <p:sp>
-        <p:nvSpPr>
-          <p:cNvPr id="4" name="TextBox 1"/>
-          <p:cNvSpPr txBox="1">
-            <a:spLocks noChangeArrowheads="1"/>
-          </p:cNvSpPr>
-          <p:nvPr/>
-        </p:nvSpPr>
-        <p:spPr bwMode="auto">
-          <a:xfrm>
-            <a:off x="3505200" y="1066800"/>
-            <a:ext cx="2514600" cy="584775"/>
-          </a:xfrm>
-          <a:prstGeom prst="rect">
-            <a:avLst/>
-          </a:prstGeom>
-          <a:noFill/>
-          <a:ln w="9525">
-            <a:noFill/>
-            <a:miter lim="800000"/>
-            <a:headEnd/>
-            <a:tailEnd/>
-          </a:ln>
-        </p:spPr>
-        <p:txBody>
-          <a:bodyPr wrap="square">
-            <a:spAutoFit/>
-          </a:bodyPr>
-          <a:lstStyle/>
-          <a:p>
-            <a:r>
-              <a:rPr lang="en-US" sz="3200" dirty="0"/>
-              <a:t>References</a:t>
-            </a:r>
-          </a:p>
-        </p:txBody>
-      </p:sp>
-      <p:sp>
-        <p:nvSpPr>
-          <p:cNvPr id="5" name="Rectangle 4"/>
-          <p:cNvSpPr/>
-          <p:nvPr/>
-        </p:nvSpPr>
-        <p:spPr>
-          <a:xfrm>
-            <a:off x="838200" y="2057400"/>
-            <a:ext cx="4572000" cy="1200329"/>
-          </a:xfrm>
-          <a:prstGeom prst="rect">
-            <a:avLst/>
-          </a:prstGeom>
-        </p:spPr>
-        <p:txBody>
-          <a:bodyPr>
-            <a:spAutoFit/>
-          </a:bodyPr>
-          <a:lstStyle/>
-          <a:p>
-            <a:r>
-              <a:rPr lang="en-US" sz="2400" dirty="0" smtClean="0"/>
-              <a:t>www.wikipedia.com</a:t>
-            </a:r>
-          </a:p>
-          <a:p>
-            <a:endParaRPr lang="en-US" sz="2400" dirty="0" smtClean="0"/>
-          </a:p>
-          <a:p>
-            <a:r>
-              <a:rPr lang="en-US" sz="2400" dirty="0" smtClean="0"/>
-              <a:t>www.freevideolectures.com</a:t>
-            </a:r>
-            <a:endParaRPr lang="en-US" sz="2400" dirty="0"/>
-          </a:p>
-        </p:txBody>
-      </p:sp>
-    </p:spTree>
-  </p:cSld>
-  <p:clrMapOvr>
-    <a:masterClrMapping/>
-  </p:clrMapOvr>
-  <p:timing>
-    <p:tnLst>
-      <p:par>
-        <p:cTn id="1" dur="indefinite" restart="never" nodeType="tmRoot"/>
-      </p:par>
-    </p:tnLst>
-  </p:timing>
-</p:sld>
-</file>
-
-<file path=ppt/slides/slide32.xml><?xml version="1.0" encoding="utf-8"?>
-<p:sld xmlns:a="http://schemas.openxmlformats.org/drawingml/2006/main" xmlns:r="http://schemas.openxmlformats.org/officeDocument/2006/relationships" xmlns:p="http://schemas.openxmlformats.org/presentationml/2006/main">
-  <p:cSld>
-    <p:spTree>
-      <p:nvGrpSpPr>
-        <p:cNvPr id="1" name=""/>
-        <p:cNvGrpSpPr/>
-        <p:nvPr/>
-      </p:nvGrpSpPr>
-      <p:grpSpPr>
-        <a:xfrm>
-          <a:off x="0" y="0"/>
-          <a:ext cx="0" cy="0"/>
-          <a:chOff x="0" y="0"/>
-          <a:chExt cx="0" cy="0"/>
-        </a:xfrm>
-      </p:grpSpPr>
-      <p:sp>
-        <p:nvSpPr>
-          <p:cNvPr id="2" name="TextBox 3"/>
-          <p:cNvSpPr txBox="1">
-            <a:spLocks noChangeArrowheads="1"/>
-          </p:cNvSpPr>
-          <p:nvPr/>
-        </p:nvSpPr>
-        <p:spPr bwMode="auto">
-          <a:xfrm>
-            <a:off x="609600" y="2133600"/>
-            <a:ext cx="7696200" cy="2216150"/>
-          </a:xfrm>
-          <a:prstGeom prst="rect">
-            <a:avLst/>
-          </a:prstGeom>
-          <a:noFill/>
-          <a:ln w="9525">
-            <a:noFill/>
-            <a:miter lim="800000"/>
-            <a:headEnd/>
-            <a:tailEnd/>
-          </a:ln>
-        </p:spPr>
-        <p:txBody>
-          <a:bodyPr>
-            <a:spAutoFit/>
-          </a:bodyPr>
-          <a:lstStyle/>
-          <a:p>
-            <a:pPr algn="ctr"/>
-            <a:r>
-              <a:rPr lang="en-US" sz="13800" dirty="0">
-                <a:latin typeface="Freestyle Script" pitchFamily="66" charset="0"/>
-              </a:rPr>
-              <a:t>Thank Q</a:t>
-            </a:r>
-            <a:endParaRPr lang="en-US" sz="2000" dirty="0">
-              <a:latin typeface="Freestyle Script" pitchFamily="66" charset="0"/>
-            </a:endParaRPr>
-          </a:p>
-        </p:txBody>
-      </p:sp>
-    </p:spTree>
-  </p:cSld>
-  <p:clrMapOvr>
-    <a:masterClrMapping/>
-  </p:clrMapOvr>
-  <p:timing>
-    <p:tnLst>
-      <p:par>
-        <p:cTn id="1" dur="indefinite" restart="never" nodeType="tmRoot"/>
       </p:par>
     </p:tnLst>
   </p:timing>
